--- a/训练中心创客交叉融合空间建设/doc/创客融合空间平台建设项目.pptx
+++ b/训练中心创客交叉融合空间建设/doc/创客融合空间平台建设项目.pptx
@@ -4,13 +4,17 @@
   <p:sldMasterIdLst>
     <p:sldMasterId id="2147483660" r:id="rId1"/>
   </p:sldMasterIdLst>
+  <p:notesMasterIdLst>
+    <p:notesMasterId r:id="rId9"/>
+  </p:notesMasterIdLst>
   <p:sldIdLst>
     <p:sldId id="256" r:id="rId2"/>
     <p:sldId id="257" r:id="rId3"/>
     <p:sldId id="258" r:id="rId4"/>
     <p:sldId id="261" r:id="rId5"/>
-    <p:sldId id="259" r:id="rId6"/>
-    <p:sldId id="260" r:id="rId7"/>
+    <p:sldId id="262" r:id="rId6"/>
+    <p:sldId id="259" r:id="rId7"/>
+    <p:sldId id="260" r:id="rId8"/>
   </p:sldIdLst>
   <p:sldSz cx="9144000" cy="6858000" type="screen4x3"/>
   <p:notesSz cx="6858000" cy="9144000"/>
@@ -109,7 +113,446 @@
       </a:defRPr>
     </a:lvl9pPr>
   </p:defaultTextStyle>
+  <p:extLst>
+    <p:ext uri="{EFAFB233-063F-42B5-8137-9DF3F51BA10A}">
+      <p15:sldGuideLst xmlns:p15="http://schemas.microsoft.com/office/powerpoint/2012/main"/>
+    </p:ext>
+  </p:extLst>
 </p:presentation>
+</file>
+
+<file path=ppt/notesMasters/notesMaster1.xml><?xml version="1.0" encoding="utf-8"?>
+<p:notesMaster xmlns:a="http://schemas.openxmlformats.org/drawingml/2006/main" xmlns:r="http://schemas.openxmlformats.org/officeDocument/2006/relationships" xmlns:p="http://schemas.openxmlformats.org/presentationml/2006/main">
+  <p:cSld>
+    <p:bg>
+      <p:bgRef idx="1001">
+        <a:schemeClr val="bg1"/>
+      </p:bgRef>
+    </p:bg>
+    <p:spTree>
+      <p:nvGrpSpPr>
+        <p:cNvPr id="1" name=""/>
+        <p:cNvGrpSpPr/>
+        <p:nvPr/>
+      </p:nvGrpSpPr>
+      <p:grpSpPr>
+        <a:xfrm>
+          <a:off x="0" y="0"/>
+          <a:ext cx="0" cy="0"/>
+          <a:chOff x="0" y="0"/>
+          <a:chExt cx="0" cy="0"/>
+        </a:xfrm>
+      </p:grpSpPr>
+      <p:sp>
+        <p:nvSpPr>
+          <p:cNvPr id="2" name="Header Placeholder 1"/>
+          <p:cNvSpPr>
+            <a:spLocks noGrp="1"/>
+          </p:cNvSpPr>
+          <p:nvPr>
+            <p:ph type="hdr" sz="quarter"/>
+          </p:nvPr>
+        </p:nvSpPr>
+        <p:spPr>
+          <a:xfrm>
+            <a:off x="0" y="0"/>
+            <a:ext cx="2971800" cy="458788"/>
+          </a:xfrm>
+          <a:prstGeom prst="rect">
+            <a:avLst/>
+          </a:prstGeom>
+        </p:spPr>
+        <p:txBody>
+          <a:bodyPr vert="horz" lIns="91440" tIns="45720" rIns="91440" bIns="45720" rtlCol="0"/>
+          <a:lstStyle>
+            <a:lvl1pPr algn="l">
+              <a:defRPr sz="1200"/>
+            </a:lvl1pPr>
+          </a:lstStyle>
+          <a:p>
+            <a:endParaRPr lang="zh-CN" altLang="en-US"/>
+          </a:p>
+        </p:txBody>
+      </p:sp>
+      <p:sp>
+        <p:nvSpPr>
+          <p:cNvPr id="3" name="Date Placeholder 2"/>
+          <p:cNvSpPr>
+            <a:spLocks noGrp="1"/>
+          </p:cNvSpPr>
+          <p:nvPr>
+            <p:ph type="dt" idx="1"/>
+          </p:nvPr>
+        </p:nvSpPr>
+        <p:spPr>
+          <a:xfrm>
+            <a:off x="3884613" y="0"/>
+            <a:ext cx="2971800" cy="458788"/>
+          </a:xfrm>
+          <a:prstGeom prst="rect">
+            <a:avLst/>
+          </a:prstGeom>
+        </p:spPr>
+        <p:txBody>
+          <a:bodyPr vert="horz" lIns="91440" tIns="45720" rIns="91440" bIns="45720" rtlCol="0"/>
+          <a:lstStyle>
+            <a:lvl1pPr algn="r">
+              <a:defRPr sz="1200"/>
+            </a:lvl1pPr>
+          </a:lstStyle>
+          <a:p>
+            <a:fld id="{F1CF379D-C279-4CDC-9C2D-3778D56ED55C}" type="datetimeFigureOut">
+              <a:rPr lang="zh-CN" altLang="en-US" smtClean="0"/>
+              <a:t>2014/4/1</a:t>
+            </a:fld>
+            <a:endParaRPr lang="zh-CN" altLang="en-US"/>
+          </a:p>
+        </p:txBody>
+      </p:sp>
+      <p:sp>
+        <p:nvSpPr>
+          <p:cNvPr id="4" name="Slide Image Placeholder 3"/>
+          <p:cNvSpPr>
+            <a:spLocks noGrp="1" noRot="1" noChangeAspect="1"/>
+          </p:cNvSpPr>
+          <p:nvPr>
+            <p:ph type="sldImg" idx="2"/>
+          </p:nvPr>
+        </p:nvSpPr>
+        <p:spPr>
+          <a:xfrm>
+            <a:off x="1371600" y="1143000"/>
+            <a:ext cx="4114800" cy="3086100"/>
+          </a:xfrm>
+          <a:prstGeom prst="rect">
+            <a:avLst/>
+          </a:prstGeom>
+          <a:noFill/>
+          <a:ln w="12700">
+            <a:solidFill>
+              <a:prstClr val="black"/>
+            </a:solidFill>
+          </a:ln>
+        </p:spPr>
+        <p:txBody>
+          <a:bodyPr vert="horz" lIns="91440" tIns="45720" rIns="91440" bIns="45720" rtlCol="0" anchor="ctr"/>
+          <a:lstStyle/>
+          <a:p>
+            <a:endParaRPr lang="zh-CN" altLang="en-US"/>
+          </a:p>
+        </p:txBody>
+      </p:sp>
+      <p:sp>
+        <p:nvSpPr>
+          <p:cNvPr id="5" name="Notes Placeholder 4"/>
+          <p:cNvSpPr>
+            <a:spLocks noGrp="1"/>
+          </p:cNvSpPr>
+          <p:nvPr>
+            <p:ph type="body" sz="quarter" idx="3"/>
+          </p:nvPr>
+        </p:nvSpPr>
+        <p:spPr>
+          <a:xfrm>
+            <a:off x="685800" y="4400550"/>
+            <a:ext cx="5486400" cy="3600450"/>
+          </a:xfrm>
+          <a:prstGeom prst="rect">
+            <a:avLst/>
+          </a:prstGeom>
+        </p:spPr>
+        <p:txBody>
+          <a:bodyPr vert="horz" lIns="91440" tIns="45720" rIns="91440" bIns="45720" rtlCol="0"/>
+          <a:lstStyle/>
+          <a:p>
+            <a:pPr lvl="0"/>
+            <a:r>
+              <a:rPr lang="en-US" altLang="zh-CN" smtClean="0"/>
+              <a:t>Click to edit Master text styles</a:t>
+            </a:r>
+          </a:p>
+          <a:p>
+            <a:pPr lvl="1"/>
+            <a:r>
+              <a:rPr lang="en-US" altLang="zh-CN" smtClean="0"/>
+              <a:t>Second level</a:t>
+            </a:r>
+          </a:p>
+          <a:p>
+            <a:pPr lvl="2"/>
+            <a:r>
+              <a:rPr lang="en-US" altLang="zh-CN" smtClean="0"/>
+              <a:t>Third level</a:t>
+            </a:r>
+          </a:p>
+          <a:p>
+            <a:pPr lvl="3"/>
+            <a:r>
+              <a:rPr lang="en-US" altLang="zh-CN" smtClean="0"/>
+              <a:t>Fourth level</a:t>
+            </a:r>
+          </a:p>
+          <a:p>
+            <a:pPr lvl="4"/>
+            <a:r>
+              <a:rPr lang="en-US" altLang="zh-CN" smtClean="0"/>
+              <a:t>Fifth level</a:t>
+            </a:r>
+            <a:endParaRPr lang="zh-CN" altLang="en-US"/>
+          </a:p>
+        </p:txBody>
+      </p:sp>
+      <p:sp>
+        <p:nvSpPr>
+          <p:cNvPr id="6" name="Footer Placeholder 5"/>
+          <p:cNvSpPr>
+            <a:spLocks noGrp="1"/>
+          </p:cNvSpPr>
+          <p:nvPr>
+            <p:ph type="ftr" sz="quarter" idx="4"/>
+          </p:nvPr>
+        </p:nvSpPr>
+        <p:spPr>
+          <a:xfrm>
+            <a:off x="0" y="8685213"/>
+            <a:ext cx="2971800" cy="458787"/>
+          </a:xfrm>
+          <a:prstGeom prst="rect">
+            <a:avLst/>
+          </a:prstGeom>
+        </p:spPr>
+        <p:txBody>
+          <a:bodyPr vert="horz" lIns="91440" tIns="45720" rIns="91440" bIns="45720" rtlCol="0" anchor="b"/>
+          <a:lstStyle>
+            <a:lvl1pPr algn="l">
+              <a:defRPr sz="1200"/>
+            </a:lvl1pPr>
+          </a:lstStyle>
+          <a:p>
+            <a:endParaRPr lang="zh-CN" altLang="en-US"/>
+          </a:p>
+        </p:txBody>
+      </p:sp>
+      <p:sp>
+        <p:nvSpPr>
+          <p:cNvPr id="7" name="Slide Number Placeholder 6"/>
+          <p:cNvSpPr>
+            <a:spLocks noGrp="1"/>
+          </p:cNvSpPr>
+          <p:nvPr>
+            <p:ph type="sldNum" sz="quarter" idx="5"/>
+          </p:nvPr>
+        </p:nvSpPr>
+        <p:spPr>
+          <a:xfrm>
+            <a:off x="3884613" y="8685213"/>
+            <a:ext cx="2971800" cy="458787"/>
+          </a:xfrm>
+          <a:prstGeom prst="rect">
+            <a:avLst/>
+          </a:prstGeom>
+        </p:spPr>
+        <p:txBody>
+          <a:bodyPr vert="horz" lIns="91440" tIns="45720" rIns="91440" bIns="45720" rtlCol="0" anchor="b"/>
+          <a:lstStyle>
+            <a:lvl1pPr algn="r">
+              <a:defRPr sz="1200"/>
+            </a:lvl1pPr>
+          </a:lstStyle>
+          <a:p>
+            <a:fld id="{66C7B6B8-47E0-4469-8AA7-49CEFD142246}" type="slidenum">
+              <a:rPr lang="zh-CN" altLang="en-US" smtClean="0"/>
+              <a:t>‹#›</a:t>
+            </a:fld>
+            <a:endParaRPr lang="zh-CN" altLang="en-US"/>
+          </a:p>
+        </p:txBody>
+      </p:sp>
+    </p:spTree>
+    <p:extLst>
+      <p:ext uri="{BB962C8B-B14F-4D97-AF65-F5344CB8AC3E}">
+        <p14:creationId xmlns:p14="http://schemas.microsoft.com/office/powerpoint/2010/main" val="407750339"/>
+      </p:ext>
+    </p:extLst>
+  </p:cSld>
+  <p:clrMap bg1="lt1" tx1="dk1" bg2="lt2" tx2="dk2" accent1="accent1" accent2="accent2" accent3="accent3" accent4="accent4" accent5="accent5" accent6="accent6" hlink="hlink" folHlink="folHlink"/>
+  <p:notesStyle>
+    <a:lvl1pPr marL="0" algn="l" defTabSz="914400" rtl="0" eaLnBrk="1" latinLnBrk="0" hangingPunct="1">
+      <a:defRPr sz="1200" kern="1200">
+        <a:solidFill>
+          <a:schemeClr val="tx1"/>
+        </a:solidFill>
+        <a:latin typeface="+mn-lt"/>
+        <a:ea typeface="+mn-ea"/>
+        <a:cs typeface="+mn-cs"/>
+      </a:defRPr>
+    </a:lvl1pPr>
+    <a:lvl2pPr marL="457200" algn="l" defTabSz="914400" rtl="0" eaLnBrk="1" latinLnBrk="0" hangingPunct="1">
+      <a:defRPr sz="1200" kern="1200">
+        <a:solidFill>
+          <a:schemeClr val="tx1"/>
+        </a:solidFill>
+        <a:latin typeface="+mn-lt"/>
+        <a:ea typeface="+mn-ea"/>
+        <a:cs typeface="+mn-cs"/>
+      </a:defRPr>
+    </a:lvl2pPr>
+    <a:lvl3pPr marL="914400" algn="l" defTabSz="914400" rtl="0" eaLnBrk="1" latinLnBrk="0" hangingPunct="1">
+      <a:defRPr sz="1200" kern="1200">
+        <a:solidFill>
+          <a:schemeClr val="tx1"/>
+        </a:solidFill>
+        <a:latin typeface="+mn-lt"/>
+        <a:ea typeface="+mn-ea"/>
+        <a:cs typeface="+mn-cs"/>
+      </a:defRPr>
+    </a:lvl3pPr>
+    <a:lvl4pPr marL="1371600" algn="l" defTabSz="914400" rtl="0" eaLnBrk="1" latinLnBrk="0" hangingPunct="1">
+      <a:defRPr sz="1200" kern="1200">
+        <a:solidFill>
+          <a:schemeClr val="tx1"/>
+        </a:solidFill>
+        <a:latin typeface="+mn-lt"/>
+        <a:ea typeface="+mn-ea"/>
+        <a:cs typeface="+mn-cs"/>
+      </a:defRPr>
+    </a:lvl4pPr>
+    <a:lvl5pPr marL="1828800" algn="l" defTabSz="914400" rtl="0" eaLnBrk="1" latinLnBrk="0" hangingPunct="1">
+      <a:defRPr sz="1200" kern="1200">
+        <a:solidFill>
+          <a:schemeClr val="tx1"/>
+        </a:solidFill>
+        <a:latin typeface="+mn-lt"/>
+        <a:ea typeface="+mn-ea"/>
+        <a:cs typeface="+mn-cs"/>
+      </a:defRPr>
+    </a:lvl5pPr>
+    <a:lvl6pPr marL="2286000" algn="l" defTabSz="914400" rtl="0" eaLnBrk="1" latinLnBrk="0" hangingPunct="1">
+      <a:defRPr sz="1200" kern="1200">
+        <a:solidFill>
+          <a:schemeClr val="tx1"/>
+        </a:solidFill>
+        <a:latin typeface="+mn-lt"/>
+        <a:ea typeface="+mn-ea"/>
+        <a:cs typeface="+mn-cs"/>
+      </a:defRPr>
+    </a:lvl6pPr>
+    <a:lvl7pPr marL="2743200" algn="l" defTabSz="914400" rtl="0" eaLnBrk="1" latinLnBrk="0" hangingPunct="1">
+      <a:defRPr sz="1200" kern="1200">
+        <a:solidFill>
+          <a:schemeClr val="tx1"/>
+        </a:solidFill>
+        <a:latin typeface="+mn-lt"/>
+        <a:ea typeface="+mn-ea"/>
+        <a:cs typeface="+mn-cs"/>
+      </a:defRPr>
+    </a:lvl7pPr>
+    <a:lvl8pPr marL="3200400" algn="l" defTabSz="914400" rtl="0" eaLnBrk="1" latinLnBrk="0" hangingPunct="1">
+      <a:defRPr sz="1200" kern="1200">
+        <a:solidFill>
+          <a:schemeClr val="tx1"/>
+        </a:solidFill>
+        <a:latin typeface="+mn-lt"/>
+        <a:ea typeface="+mn-ea"/>
+        <a:cs typeface="+mn-cs"/>
+      </a:defRPr>
+    </a:lvl8pPr>
+    <a:lvl9pPr marL="3657600" algn="l" defTabSz="914400" rtl="0" eaLnBrk="1" latinLnBrk="0" hangingPunct="1">
+      <a:defRPr sz="1200" kern="1200">
+        <a:solidFill>
+          <a:schemeClr val="tx1"/>
+        </a:solidFill>
+        <a:latin typeface="+mn-lt"/>
+        <a:ea typeface="+mn-ea"/>
+        <a:cs typeface="+mn-cs"/>
+      </a:defRPr>
+    </a:lvl9pPr>
+  </p:notesStyle>
+</p:notesMaster>
+</file>
+
+<file path=ppt/notesSlides/notesSlide1.xml><?xml version="1.0" encoding="utf-8"?>
+<p:notes xmlns:a="http://schemas.openxmlformats.org/drawingml/2006/main" xmlns:r="http://schemas.openxmlformats.org/officeDocument/2006/relationships" xmlns:p="http://schemas.openxmlformats.org/presentationml/2006/main">
+  <p:cSld>
+    <p:spTree>
+      <p:nvGrpSpPr>
+        <p:cNvPr id="1" name=""/>
+        <p:cNvGrpSpPr/>
+        <p:nvPr/>
+      </p:nvGrpSpPr>
+      <p:grpSpPr>
+        <a:xfrm>
+          <a:off x="0" y="0"/>
+          <a:ext cx="0" cy="0"/>
+          <a:chOff x="0" y="0"/>
+          <a:chExt cx="0" cy="0"/>
+        </a:xfrm>
+      </p:grpSpPr>
+      <p:sp>
+        <p:nvSpPr>
+          <p:cNvPr id="2" name="Slide Image Placeholder 1"/>
+          <p:cNvSpPr>
+            <a:spLocks noGrp="1" noRot="1" noChangeAspect="1"/>
+          </p:cNvSpPr>
+          <p:nvPr>
+            <p:ph type="sldImg"/>
+          </p:nvPr>
+        </p:nvSpPr>
+        <p:spPr/>
+      </p:sp>
+      <p:sp>
+        <p:nvSpPr>
+          <p:cNvPr id="3" name="Notes Placeholder 2"/>
+          <p:cNvSpPr>
+            <a:spLocks noGrp="1"/>
+          </p:cNvSpPr>
+          <p:nvPr>
+            <p:ph type="body" idx="1"/>
+          </p:nvPr>
+        </p:nvSpPr>
+        <p:spPr/>
+        <p:txBody>
+          <a:bodyPr/>
+          <a:lstStyle/>
+          <a:p>
+            <a:endParaRPr lang="zh-CN" altLang="en-US"/>
+          </a:p>
+        </p:txBody>
+      </p:sp>
+      <p:sp>
+        <p:nvSpPr>
+          <p:cNvPr id="4" name="Slide Number Placeholder 3"/>
+          <p:cNvSpPr>
+            <a:spLocks noGrp="1"/>
+          </p:cNvSpPr>
+          <p:nvPr>
+            <p:ph type="sldNum" sz="quarter" idx="10"/>
+          </p:nvPr>
+        </p:nvSpPr>
+        <p:spPr/>
+        <p:txBody>
+          <a:bodyPr/>
+          <a:lstStyle/>
+          <a:p>
+            <a:fld id="{66C7B6B8-47E0-4469-8AA7-49CEFD142246}" type="slidenum">
+              <a:rPr lang="zh-CN" altLang="en-US" smtClean="0"/>
+              <a:t>5</a:t>
+            </a:fld>
+            <a:endParaRPr lang="zh-CN" altLang="en-US"/>
+          </a:p>
+        </p:txBody>
+      </p:sp>
+    </p:spTree>
+    <p:extLst>
+      <p:ext uri="{BB962C8B-B14F-4D97-AF65-F5344CB8AC3E}">
+        <p14:creationId xmlns:p14="http://schemas.microsoft.com/office/powerpoint/2010/main" val="1878635776"/>
+      </p:ext>
+    </p:extLst>
+  </p:cSld>
+  <p:clrMapOvr>
+    <a:masterClrMapping/>
+  </p:clrMapOvr>
+</p:notes>
 </file>
 
 <file path=ppt/slideLayouts/slideLayout1.xml><?xml version="1.0" encoding="utf-8"?>
@@ -241,9 +684,9 @@
           <a:bodyPr/>
           <a:lstStyle/>
           <a:p>
-            <a:fld id="{EA1784A9-A705-4ECC-8287-270EB59626AC}" type="datetimeFigureOut">
+            <a:fld id="{87924AD3-2C2B-4E08-A4B1-89728A37CA2D}" type="datetime1">
               <a:rPr lang="zh-CN" altLang="en-US" smtClean="0"/>
-              <a:t>2014/3/31</a:t>
+              <a:t>2014/4/1</a:t>
             </a:fld>
             <a:endParaRPr lang="zh-CN" altLang="en-US"/>
           </a:p>
@@ -411,9 +854,9 @@
           <a:bodyPr/>
           <a:lstStyle/>
           <a:p>
-            <a:fld id="{EA1784A9-A705-4ECC-8287-270EB59626AC}" type="datetimeFigureOut">
+            <a:fld id="{1ADB475D-6884-477B-A169-C6712B045DBA}" type="datetime1">
               <a:rPr lang="zh-CN" altLang="en-US" smtClean="0"/>
-              <a:t>2014/3/31</a:t>
+              <a:t>2014/4/1</a:t>
             </a:fld>
             <a:endParaRPr lang="zh-CN" altLang="en-US"/>
           </a:p>
@@ -591,9 +1034,9 @@
           <a:bodyPr/>
           <a:lstStyle/>
           <a:p>
-            <a:fld id="{EA1784A9-A705-4ECC-8287-270EB59626AC}" type="datetimeFigureOut">
+            <a:fld id="{9EACF4CB-89AE-4B84-9D94-8FEC84808D27}" type="datetime1">
               <a:rPr lang="zh-CN" altLang="en-US" smtClean="0"/>
-              <a:t>2014/3/31</a:t>
+              <a:t>2014/4/1</a:t>
             </a:fld>
             <a:endParaRPr lang="zh-CN" altLang="en-US"/>
           </a:p>
@@ -790,9 +1233,9 @@
           <a:bodyPr/>
           <a:lstStyle/>
           <a:p>
-            <a:fld id="{EA1784A9-A705-4ECC-8287-270EB59626AC}" type="datetimeFigureOut">
+            <a:fld id="{23E6BBE8-F474-4172-A532-7B763C7BEE4F}" type="datetime1">
               <a:rPr lang="zh-CN" altLang="en-US" smtClean="0"/>
-              <a:t>2014/3/31</a:t>
+              <a:t>2014/4/1</a:t>
             </a:fld>
             <a:endParaRPr lang="zh-CN" altLang="en-US"/>
           </a:p>
@@ -1034,9 +1477,9 @@
           <a:bodyPr/>
           <a:lstStyle/>
           <a:p>
-            <a:fld id="{EA1784A9-A705-4ECC-8287-270EB59626AC}" type="datetimeFigureOut">
+            <a:fld id="{146E8CCD-5E4D-4D92-8F82-65576CA91610}" type="datetime1">
               <a:rPr lang="zh-CN" altLang="en-US" smtClean="0"/>
-              <a:t>2014/3/31</a:t>
+              <a:t>2014/4/1</a:t>
             </a:fld>
             <a:endParaRPr lang="zh-CN" altLang="en-US"/>
           </a:p>
@@ -1266,9 +1709,9 @@
           <a:bodyPr/>
           <a:lstStyle/>
           <a:p>
-            <a:fld id="{EA1784A9-A705-4ECC-8287-270EB59626AC}" type="datetimeFigureOut">
+            <a:fld id="{7F7C4C85-29E1-4AD2-A3B2-D49247206789}" type="datetime1">
               <a:rPr lang="zh-CN" altLang="en-US" smtClean="0"/>
-              <a:t>2014/3/31</a:t>
+              <a:t>2014/4/1</a:t>
             </a:fld>
             <a:endParaRPr lang="zh-CN" altLang="en-US"/>
           </a:p>
@@ -1633,9 +2076,9 @@
           <a:bodyPr/>
           <a:lstStyle/>
           <a:p>
-            <a:fld id="{EA1784A9-A705-4ECC-8287-270EB59626AC}" type="datetimeFigureOut">
+            <a:fld id="{8F748FCC-1DAC-48EB-8E43-EAFF270B1F61}" type="datetime1">
               <a:rPr lang="zh-CN" altLang="en-US" smtClean="0"/>
-              <a:t>2014/3/31</a:t>
+              <a:t>2014/4/1</a:t>
             </a:fld>
             <a:endParaRPr lang="zh-CN" altLang="en-US"/>
           </a:p>
@@ -1751,9 +2194,9 @@
           <a:bodyPr/>
           <a:lstStyle/>
           <a:p>
-            <a:fld id="{EA1784A9-A705-4ECC-8287-270EB59626AC}" type="datetimeFigureOut">
+            <a:fld id="{84FD8E17-CCD5-4C7E-B974-9CBF672E08AC}" type="datetime1">
               <a:rPr lang="zh-CN" altLang="en-US" smtClean="0"/>
-              <a:t>2014/3/31</a:t>
+              <a:t>2014/4/1</a:t>
             </a:fld>
             <a:endParaRPr lang="zh-CN" altLang="en-US"/>
           </a:p>
@@ -1846,9 +2289,9 @@
           <a:bodyPr/>
           <a:lstStyle/>
           <a:p>
-            <a:fld id="{EA1784A9-A705-4ECC-8287-270EB59626AC}" type="datetimeFigureOut">
+            <a:fld id="{287AB516-AB9F-433B-8E57-74D7663757D1}" type="datetime1">
               <a:rPr lang="zh-CN" altLang="en-US" smtClean="0"/>
-              <a:t>2014/3/31</a:t>
+              <a:t>2014/4/1</a:t>
             </a:fld>
             <a:endParaRPr lang="zh-CN" altLang="en-US"/>
           </a:p>
@@ -2123,9 +2566,9 @@
           <a:bodyPr/>
           <a:lstStyle/>
           <a:p>
-            <a:fld id="{EA1784A9-A705-4ECC-8287-270EB59626AC}" type="datetimeFigureOut">
+            <a:fld id="{2948D1B6-78A2-4675-9D50-5E853D4ED1E4}" type="datetime1">
               <a:rPr lang="zh-CN" altLang="en-US" smtClean="0"/>
-              <a:t>2014/3/31</a:t>
+              <a:t>2014/4/1</a:t>
             </a:fld>
             <a:endParaRPr lang="zh-CN" altLang="en-US"/>
           </a:p>
@@ -2380,9 +2823,9 @@
           <a:bodyPr/>
           <a:lstStyle/>
           <a:p>
-            <a:fld id="{EA1784A9-A705-4ECC-8287-270EB59626AC}" type="datetimeFigureOut">
+            <a:fld id="{2D1FE44A-63F8-4E6E-B472-E10632DCDE1C}" type="datetime1">
               <a:rPr lang="zh-CN" altLang="en-US" smtClean="0"/>
-              <a:t>2014/3/31</a:t>
+              <a:t>2014/4/1</a:t>
             </a:fld>
             <a:endParaRPr lang="zh-CN" altLang="en-US"/>
           </a:p>
@@ -2593,9 +3036,9 @@
             </a:lvl1pPr>
           </a:lstStyle>
           <a:p>
-            <a:fld id="{EA1784A9-A705-4ECC-8287-270EB59626AC}" type="datetimeFigureOut">
+            <a:fld id="{2061FC2C-8752-41C3-AC92-31B7D961F160}" type="datetime1">
               <a:rPr lang="zh-CN" altLang="en-US" smtClean="0"/>
-              <a:t>2014/3/31</a:t>
+              <a:t>2014/4/1</a:t>
             </a:fld>
             <a:endParaRPr lang="zh-CN" altLang="en-US"/>
           </a:p>
@@ -2817,6 +3260,7 @@
     <p:sldLayoutId id="2147483670" r:id="rId10"/>
     <p:sldLayoutId id="2147483671" r:id="rId11"/>
   </p:sldLayoutIdLst>
+  <p:hf hdr="0" ftr="0" dt="0"/>
   <p:txStyles>
     <p:titleStyle>
       <a:lvl1pPr algn="l" defTabSz="914400" rtl="0" eaLnBrk="1" latinLnBrk="0" hangingPunct="1">
@@ -3204,6 +3648,13 @@
   <p:clrMapOvr>
     <a:masterClrMapping/>
   </p:clrMapOvr>
+  <p:timing>
+    <p:tnLst>
+      <p:par>
+        <p:cTn id="1" dur="indefinite" restart="never" nodeType="tmRoot"/>
+      </p:par>
+    </p:tnLst>
+  </p:timing>
 </p:sld>
 </file>
 
@@ -3261,10 +3712,136 @@
           <a:bodyPr/>
           <a:lstStyle/>
           <a:p>
-            <a:endParaRPr lang="zh-CN" altLang="en-US" dirty="0"/>
-          </a:p>
-        </p:txBody>
-      </p:sp>
+            <a:r>
+              <a:rPr lang="zh-CN" altLang="en-US" dirty="0" smtClean="0"/>
+              <a:t>结合全校创客生态，设计创客活动平台</a:t>
+            </a:r>
+            <a:endParaRPr lang="en-US" altLang="zh-CN" dirty="0" smtClean="0"/>
+          </a:p>
+          <a:p>
+            <a:r>
+              <a:rPr lang="zh-CN" altLang="en-US" dirty="0" smtClean="0"/>
+              <a:t>交叉融合空间</a:t>
+            </a:r>
+            <a:endParaRPr lang="en-US" altLang="zh-CN" dirty="0" smtClean="0"/>
+          </a:p>
+          <a:p>
+            <a:pPr lvl="1"/>
+            <a:r>
+              <a:rPr lang="zh-CN" altLang="en-US" dirty="0" smtClean="0"/>
+              <a:t>对外推送中心先进数字制造资源</a:t>
+            </a:r>
+            <a:endParaRPr lang="en-US" altLang="zh-CN" dirty="0" smtClean="0"/>
+          </a:p>
+          <a:p>
+            <a:pPr lvl="1"/>
+            <a:r>
+              <a:rPr lang="zh-CN" altLang="en-US" dirty="0"/>
+              <a:t>向内</a:t>
+            </a:r>
+            <a:r>
+              <a:rPr lang="zh-CN" altLang="en-US" dirty="0" smtClean="0"/>
+              <a:t>聚拢</a:t>
+            </a:r>
+            <a:r>
+              <a:rPr lang="zh-CN" altLang="zh-CN" dirty="0" smtClean="0"/>
+              <a:t>工、</a:t>
+            </a:r>
+            <a:r>
+              <a:rPr lang="zh-CN" altLang="en-US" dirty="0" smtClean="0"/>
+              <a:t>美</a:t>
+            </a:r>
+            <a:r>
+              <a:rPr lang="zh-CN" altLang="zh-CN" dirty="0" smtClean="0"/>
+              <a:t>、文、理、法、商等</a:t>
+            </a:r>
+            <a:r>
+              <a:rPr lang="zh-CN" altLang="en-US" dirty="0" smtClean="0"/>
+              <a:t>多</a:t>
+            </a:r>
+            <a:r>
+              <a:rPr lang="zh-CN" altLang="zh-CN" dirty="0" smtClean="0"/>
+              <a:t>学科人才</a:t>
+            </a:r>
+            <a:endParaRPr lang="en-US" altLang="zh-CN" dirty="0" smtClean="0"/>
+          </a:p>
+          <a:p>
+            <a:r>
+              <a:rPr lang="zh-CN" altLang="en-US" dirty="0" smtClean="0"/>
+              <a:t>辅助教学</a:t>
+            </a:r>
+            <a:endParaRPr lang="en-US" altLang="zh-CN" dirty="0" smtClean="0"/>
+          </a:p>
+          <a:p>
+            <a:pPr lvl="1"/>
+            <a:r>
+              <a:rPr lang="zh-CN" altLang="en-US" dirty="0" smtClean="0"/>
+              <a:t>接纳现有课程中的学生项目</a:t>
+            </a:r>
+            <a:endParaRPr lang="en-US" altLang="zh-CN" dirty="0" smtClean="0"/>
+          </a:p>
+          <a:p>
+            <a:pPr lvl="1"/>
+            <a:r>
+              <a:rPr lang="zh-CN" altLang="en-US" dirty="0" smtClean="0"/>
+              <a:t>提供项目过程数据，分析评价学生学习效果</a:t>
+            </a:r>
+            <a:endParaRPr lang="en-US" altLang="zh-CN" dirty="0" smtClean="0"/>
+          </a:p>
+        </p:txBody>
+      </p:sp>
+      <p:sp>
+        <p:nvSpPr>
+          <p:cNvPr id="4" name="Slide Number Placeholder 3"/>
+          <p:cNvSpPr>
+            <a:spLocks noGrp="1"/>
+          </p:cNvSpPr>
+          <p:nvPr>
+            <p:ph type="sldNum" sz="quarter" idx="12"/>
+          </p:nvPr>
+        </p:nvSpPr>
+        <p:spPr/>
+        <p:txBody>
+          <a:bodyPr/>
+          <a:lstStyle/>
+          <a:p>
+            <a:fld id="{BF70B9A7-D3E3-480B-8C00-2B27CFB4D92E}" type="slidenum">
+              <a:rPr lang="zh-CN" altLang="en-US" smtClean="0"/>
+              <a:t>2</a:t>
+            </a:fld>
+            <a:endParaRPr lang="zh-CN" altLang="en-US"/>
+          </a:p>
+        </p:txBody>
+      </p:sp>
+      <p:pic>
+        <p:nvPicPr>
+          <p:cNvPr id="5" name="Picture 4"/>
+          <p:cNvPicPr>
+            <a:picLocks noChangeAspect="1"/>
+          </p:cNvPicPr>
+          <p:nvPr/>
+        </p:nvPicPr>
+        <p:blipFill rotWithShape="1">
+          <a:blip r:embed="rId2" cstate="print">
+            <a:extLst>
+              <a:ext uri="{28A0092B-C50C-407E-A947-70E740481C1C}">
+                <a14:useLocalDpi xmlns:a14="http://schemas.microsoft.com/office/drawing/2010/main" val="0"/>
+              </a:ext>
+            </a:extLst>
+          </a:blip>
+          <a:srcRect r="43796"/>
+          <a:stretch/>
+        </p:blipFill>
+        <p:spPr>
+          <a:xfrm>
+            <a:off x="6501027" y="1781178"/>
+            <a:ext cx="2642973" cy="4320000"/>
+          </a:xfrm>
+          <a:prstGeom prst="rect">
+            <a:avLst/>
+          </a:prstGeom>
+        </p:spPr>
+      </p:pic>
     </p:spTree>
     <p:extLst>
       <p:ext uri="{BB962C8B-B14F-4D97-AF65-F5344CB8AC3E}">
@@ -3275,6 +3852,13 @@
   <p:clrMapOvr>
     <a:masterClrMapping/>
   </p:clrMapOvr>
+  <p:timing>
+    <p:tnLst>
+      <p:par>
+        <p:cTn id="1" dur="indefinite" restart="never" nodeType="tmRoot"/>
+      </p:par>
+    </p:tnLst>
+  </p:timing>
 </p:sld>
 </file>
 
@@ -3333,10 +3917,158 @@
           <a:bodyPr/>
           <a:lstStyle/>
           <a:p>
+            <a:r>
+              <a:rPr lang="zh-CN" altLang="zh-CN" dirty="0"/>
+              <a:t>创客融合空间概念预览</a:t>
+            </a:r>
+            <a:r>
+              <a:rPr lang="zh-CN" altLang="zh-CN" dirty="0" smtClean="0"/>
+              <a:t>版</a:t>
+            </a:r>
+            <a:endParaRPr lang="en-US" altLang="zh-CN" dirty="0" smtClean="0"/>
+          </a:p>
+          <a:p>
+            <a:r>
+              <a:rPr lang="zh-CN" altLang="zh-CN" dirty="0"/>
+              <a:t>分布式版本管理数据平台枢纽</a:t>
+            </a:r>
+            <a:r>
+              <a:rPr lang="zh-CN" altLang="zh-CN" dirty="0" smtClean="0"/>
+              <a:t>站</a:t>
+            </a:r>
+            <a:endParaRPr lang="en-US" altLang="zh-CN" dirty="0" smtClean="0"/>
+          </a:p>
+          <a:p>
+            <a:pPr lvl="1"/>
+            <a:r>
+              <a:rPr lang="zh-CN" altLang="en-US" dirty="0" smtClean="0"/>
+              <a:t>云存储服务</a:t>
+            </a:r>
+            <a:endParaRPr lang="en-US" altLang="zh-CN" dirty="0" smtClean="0"/>
+          </a:p>
+          <a:p>
+            <a:pPr lvl="1"/>
+            <a:r>
+              <a:rPr lang="zh-CN" altLang="en-US" dirty="0" smtClean="0"/>
+              <a:t>企业级团队项目协同平台</a:t>
+            </a:r>
+            <a:endParaRPr lang="en-US" altLang="zh-CN" dirty="0" smtClean="0"/>
+          </a:p>
+          <a:p>
+            <a:pPr lvl="1"/>
+            <a:r>
+              <a:rPr lang="zh-CN" altLang="en-US" dirty="0" smtClean="0"/>
+              <a:t>过程记录、分析、可视化展示</a:t>
+            </a:r>
+            <a:endParaRPr lang="en-US" altLang="zh-CN" dirty="0" smtClean="0"/>
+          </a:p>
+          <a:p>
+            <a:r>
+              <a:rPr lang="zh-CN" altLang="en-US" dirty="0" smtClean="0"/>
+              <a:t>系列主题挑战</a:t>
+            </a:r>
+            <a:r>
+              <a:rPr lang="zh-CN" altLang="zh-CN" dirty="0" smtClean="0"/>
+              <a:t>活动</a:t>
+            </a:r>
+            <a:endParaRPr lang="en-US" altLang="zh-CN" dirty="0" smtClean="0"/>
+          </a:p>
+          <a:p>
+            <a:pPr lvl="1"/>
+            <a:r>
+              <a:rPr lang="zh-CN" altLang="en-US" dirty="0" smtClean="0"/>
+              <a:t>专利管理、产业分析、供应链战略、法律维权</a:t>
+            </a:r>
+            <a:r>
+              <a:rPr lang="en-US" altLang="zh-CN" dirty="0" smtClean="0"/>
+              <a:t>……</a:t>
+            </a:r>
+          </a:p>
+          <a:p>
+            <a:r>
+              <a:rPr lang="zh-CN" altLang="zh-CN" dirty="0"/>
+              <a:t>课程项目延伸实践平台</a:t>
+            </a:r>
+            <a:endParaRPr lang="en-US" altLang="zh-CN" dirty="0" smtClean="0"/>
+          </a:p>
+          <a:p>
+            <a:pPr lvl="1"/>
+            <a:r>
+              <a:rPr lang="zh-CN" altLang="en-US" dirty="0" smtClean="0"/>
+              <a:t>人才库支持</a:t>
+            </a:r>
+            <a:endParaRPr lang="en-US" altLang="zh-CN" dirty="0" smtClean="0"/>
+          </a:p>
+          <a:p>
+            <a:pPr lvl="1"/>
+            <a:r>
+              <a:rPr lang="zh-CN" altLang="en-US" dirty="0" smtClean="0"/>
+              <a:t>项目发展指导</a:t>
+            </a:r>
+            <a:endParaRPr lang="en-US" altLang="zh-CN" dirty="0" smtClean="0"/>
+          </a:p>
+          <a:p>
+            <a:pPr lvl="1"/>
+            <a:r>
+              <a:rPr lang="zh-CN" altLang="en-US" dirty="0" smtClean="0"/>
+              <a:t>产品规模化指导</a:t>
+            </a:r>
             <a:endParaRPr lang="zh-CN" altLang="en-US" dirty="0"/>
           </a:p>
         </p:txBody>
       </p:sp>
+      <p:sp>
+        <p:nvSpPr>
+          <p:cNvPr id="4" name="Slide Number Placeholder 3"/>
+          <p:cNvSpPr>
+            <a:spLocks noGrp="1"/>
+          </p:cNvSpPr>
+          <p:nvPr>
+            <p:ph type="sldNum" sz="quarter" idx="12"/>
+          </p:nvPr>
+        </p:nvSpPr>
+        <p:spPr/>
+        <p:txBody>
+          <a:bodyPr/>
+          <a:lstStyle/>
+          <a:p>
+            <a:fld id="{BF70B9A7-D3E3-480B-8C00-2B27CFB4D92E}" type="slidenum">
+              <a:rPr lang="zh-CN" altLang="en-US" smtClean="0"/>
+              <a:t>3</a:t>
+            </a:fld>
+            <a:endParaRPr lang="zh-CN" altLang="en-US"/>
+          </a:p>
+        </p:txBody>
+      </p:sp>
+      <p:pic>
+        <p:nvPicPr>
+          <p:cNvPr id="5" name="Picture 4" descr="Graphs - benkoo / XLP_Publications | GitLab - 枫树极速浏览器"/>
+          <p:cNvPicPr>
+            <a:picLocks noChangeAspect="1"/>
+          </p:cNvPicPr>
+          <p:nvPr/>
+        </p:nvPicPr>
+        <p:blipFill rotWithShape="1">
+          <a:blip r:embed="rId2" cstate="print">
+            <a:extLst>
+              <a:ext uri="{28A0092B-C50C-407E-A947-70E740481C1C}">
+                <a14:useLocalDpi xmlns:a14="http://schemas.microsoft.com/office/drawing/2010/main"/>
+              </a:ext>
+            </a:extLst>
+          </a:blip>
+          <a:srcRect/>
+          <a:stretch/>
+        </p:blipFill>
+        <p:spPr>
+          <a:xfrm>
+            <a:off x="5911477" y="2404340"/>
+            <a:ext cx="2265785" cy="1272737"/>
+          </a:xfrm>
+          <a:prstGeom prst="rect">
+            <a:avLst/>
+          </a:prstGeom>
+        </p:spPr>
+      </p:pic>
     </p:spTree>
     <p:extLst>
       <p:ext uri="{BB962C8B-B14F-4D97-AF65-F5344CB8AC3E}">
@@ -3347,6 +4079,13 @@
   <p:clrMapOvr>
     <a:masterClrMapping/>
   </p:clrMapOvr>
+  <p:timing>
+    <p:tnLst>
+      <p:par>
+        <p:cTn id="1" dur="indefinite" restart="never" nodeType="tmRoot"/>
+      </p:par>
+    </p:tnLst>
+  </p:timing>
 </p:sld>
 </file>
 
@@ -3404,10 +4143,92 @@
           <a:bodyPr/>
           <a:lstStyle/>
           <a:p>
-            <a:endParaRPr lang="zh-CN" altLang="en-US" dirty="0"/>
-          </a:p>
-        </p:txBody>
-      </p:sp>
+            <a:r>
+              <a:rPr lang="zh-CN" altLang="en-US" dirty="0" smtClean="0"/>
+              <a:t>实体空间设计及装修</a:t>
+            </a:r>
+            <a:endParaRPr lang="en-US" altLang="zh-CN" dirty="0"/>
+          </a:p>
+          <a:p>
+            <a:r>
+              <a:rPr lang="zh-CN" altLang="en-US" dirty="0" smtClean="0"/>
+              <a:t>数字平台开发</a:t>
+            </a:r>
+            <a:endParaRPr lang="en-US" altLang="zh-CN" dirty="0" smtClean="0"/>
+          </a:p>
+          <a:p>
+            <a:r>
+              <a:rPr lang="zh-CN" altLang="en-US" dirty="0" smtClean="0"/>
+              <a:t>主题活动内容设计</a:t>
+            </a:r>
+            <a:endParaRPr lang="en-US" altLang="zh-CN" dirty="0" smtClean="0"/>
+          </a:p>
+          <a:p>
+            <a:r>
+              <a:rPr lang="zh-CN" altLang="en-US" dirty="0"/>
+              <a:t>创</a:t>
+            </a:r>
+            <a:r>
+              <a:rPr lang="zh-CN" altLang="en-US" dirty="0" smtClean="0"/>
+              <a:t>客空间融合模式设计</a:t>
+            </a:r>
+            <a:endParaRPr lang="en-US" altLang="zh-CN" dirty="0" smtClean="0"/>
+          </a:p>
+        </p:txBody>
+      </p:sp>
+      <p:sp>
+        <p:nvSpPr>
+          <p:cNvPr id="4" name="Slide Number Placeholder 3"/>
+          <p:cNvSpPr>
+            <a:spLocks noGrp="1"/>
+          </p:cNvSpPr>
+          <p:nvPr>
+            <p:ph type="sldNum" sz="quarter" idx="12"/>
+          </p:nvPr>
+        </p:nvSpPr>
+        <p:spPr/>
+        <p:txBody>
+          <a:bodyPr/>
+          <a:lstStyle/>
+          <a:p>
+            <a:fld id="{BF70B9A7-D3E3-480B-8C00-2B27CFB4D92E}" type="slidenum">
+              <a:rPr lang="zh-CN" altLang="en-US" smtClean="0"/>
+              <a:t>4</a:t>
+            </a:fld>
+            <a:endParaRPr lang="zh-CN" altLang="en-US"/>
+          </a:p>
+        </p:txBody>
+      </p:sp>
+      <p:pic>
+        <p:nvPicPr>
+          <p:cNvPr id="5" name="Picture 4"/>
+          <p:cNvPicPr>
+            <a:picLocks noChangeAspect="1"/>
+          </p:cNvPicPr>
+          <p:nvPr/>
+        </p:nvPicPr>
+        <p:blipFill>
+          <a:blip r:embed="rId2" cstate="print">
+            <a:extLst>
+              <a:ext uri="{28A0092B-C50C-407E-A947-70E740481C1C}">
+                <a14:useLocalDpi xmlns:a14="http://schemas.microsoft.com/office/drawing/2010/main" val="0"/>
+              </a:ext>
+            </a:extLst>
+          </a:blip>
+          <a:stretch>
+            <a:fillRect/>
+          </a:stretch>
+        </p:blipFill>
+        <p:spPr>
+          <a:xfrm>
+            <a:off x="1967786" y="3685310"/>
+            <a:ext cx="5544693" cy="2691765"/>
+          </a:xfrm>
+          <a:prstGeom prst="rect">
+            <a:avLst/>
+          </a:prstGeom>
+        </p:spPr>
+      </p:pic>
     </p:spTree>
     <p:extLst>
       <p:ext uri="{BB962C8B-B14F-4D97-AF65-F5344CB8AC3E}">
@@ -3418,6 +4239,13 @@
   <p:clrMapOvr>
     <a:masterClrMapping/>
   </p:clrMapOvr>
+  <p:timing>
+    <p:tnLst>
+      <p:par>
+        <p:cTn id="1" dur="indefinite" restart="never" nodeType="tmRoot"/>
+      </p:par>
+    </p:tnLst>
+  </p:timing>
 </p:sld>
 </file>
 
@@ -3440,56 +4268,73 @@
       </p:grpSpPr>
       <p:sp>
         <p:nvSpPr>
-          <p:cNvPr id="2" name="Title 1"/>
-          <p:cNvSpPr>
-            <a:spLocks noGrp="1"/>
-          </p:cNvSpPr>
-          <p:nvPr>
-            <p:ph type="title"/>
-          </p:nvPr>
-        </p:nvSpPr>
-        <p:spPr/>
-        <p:txBody>
-          <a:bodyPr/>
-          <a:lstStyle/>
-          <a:p>
-            <a:r>
-              <a:rPr lang="zh-CN" altLang="en-US" dirty="0" smtClean="0"/>
-              <a:t>物资规划</a:t>
-            </a:r>
-            <a:endParaRPr lang="zh-CN" altLang="en-US" dirty="0"/>
-          </a:p>
-        </p:txBody>
-      </p:sp>
-      <p:sp>
-        <p:nvSpPr>
-          <p:cNvPr id="3" name="Content Placeholder 2"/>
-          <p:cNvSpPr>
-            <a:spLocks noGrp="1"/>
-          </p:cNvSpPr>
-          <p:nvPr>
-            <p:ph idx="1"/>
-          </p:nvPr>
-        </p:nvSpPr>
-        <p:spPr/>
-        <p:txBody>
-          <a:bodyPr/>
-          <a:lstStyle/>
-          <a:p>
+          <p:cNvPr id="5" name="Slide Number Placeholder 4"/>
+          <p:cNvSpPr>
+            <a:spLocks noGrp="1"/>
+          </p:cNvSpPr>
+          <p:nvPr>
+            <p:ph type="sldNum" sz="quarter" idx="12"/>
+          </p:nvPr>
+        </p:nvSpPr>
+        <p:spPr/>
+        <p:txBody>
+          <a:bodyPr/>
+          <a:lstStyle/>
+          <a:p>
+            <a:fld id="{BF70B9A7-D3E3-480B-8C00-2B27CFB4D92E}" type="slidenum">
+              <a:rPr lang="zh-CN" altLang="en-US" smtClean="0"/>
+              <a:t>5</a:t>
+            </a:fld>
             <a:endParaRPr lang="zh-CN" altLang="en-US"/>
           </a:p>
         </p:txBody>
       </p:sp>
+      <p:pic>
+        <p:nvPicPr>
+          <p:cNvPr id="4" name="Content Placeholder 3"/>
+          <p:cNvPicPr>
+            <a:picLocks noGrp="1" noChangeAspect="1"/>
+          </p:cNvPicPr>
+          <p:nvPr>
+            <p:ph idx="4294967295"/>
+          </p:nvPr>
+        </p:nvPicPr>
+        <p:blipFill>
+          <a:blip r:embed="rId3">
+            <a:extLst>
+              <a:ext uri="{28A0092B-C50C-407E-A947-70E740481C1C}">
+                <a14:useLocalDpi xmlns:a14="http://schemas.microsoft.com/office/drawing/2010/main" val="0"/>
+              </a:ext>
+            </a:extLst>
+          </a:blip>
+          <a:stretch>
+            <a:fillRect/>
+          </a:stretch>
+        </p:blipFill>
+        <p:spPr>
+          <a:xfrm>
+            <a:off x="411163" y="990600"/>
+            <a:ext cx="8321675" cy="5730875"/>
+          </a:xfrm>
+        </p:spPr>
+      </p:pic>
     </p:spTree>
     <p:extLst>
       <p:ext uri="{BB962C8B-B14F-4D97-AF65-F5344CB8AC3E}">
-        <p14:creationId xmlns:p14="http://schemas.microsoft.com/office/powerpoint/2010/main" val="3795014262"/>
+        <p14:creationId xmlns:p14="http://schemas.microsoft.com/office/powerpoint/2010/main" val="3435667740"/>
       </p:ext>
     </p:extLst>
   </p:cSld>
   <p:clrMapOvr>
     <a:masterClrMapping/>
   </p:clrMapOvr>
+  <p:timing>
+    <p:tnLst>
+      <p:par>
+        <p:cTn id="1" dur="indefinite" restart="never" nodeType="tmRoot"/>
+      </p:par>
+    </p:tnLst>
+  </p:timing>
 </p:sld>
 </file>
 
@@ -3527,6 +4372,208 @@
           <a:p>
             <a:r>
               <a:rPr lang="zh-CN" altLang="en-US" dirty="0" smtClean="0"/>
+              <a:t>物资规划</a:t>
+            </a:r>
+            <a:endParaRPr lang="zh-CN" altLang="en-US" dirty="0"/>
+          </a:p>
+        </p:txBody>
+      </p:sp>
+      <p:sp>
+        <p:nvSpPr>
+          <p:cNvPr id="3" name="Content Placeholder 2"/>
+          <p:cNvSpPr>
+            <a:spLocks noGrp="1"/>
+          </p:cNvSpPr>
+          <p:nvPr>
+            <p:ph idx="1"/>
+          </p:nvPr>
+        </p:nvSpPr>
+        <p:spPr/>
+        <p:txBody>
+          <a:bodyPr/>
+          <a:lstStyle/>
+          <a:p>
+            <a:r>
+              <a:rPr lang="zh-CN" altLang="zh-CN" dirty="0" smtClean="0"/>
+              <a:t>已</a:t>
+            </a:r>
+            <a:r>
+              <a:rPr lang="zh-CN" altLang="zh-CN" dirty="0"/>
+              <a:t>具备的基础条件</a:t>
+            </a:r>
+          </a:p>
+          <a:p>
+            <a:pPr lvl="1"/>
+            <a:r>
+              <a:rPr lang="en-US" altLang="zh-CN" dirty="0" smtClean="0"/>
+              <a:t>60</a:t>
+            </a:r>
+            <a:r>
+              <a:rPr lang="zh-CN" altLang="zh-CN" dirty="0"/>
+              <a:t>平米</a:t>
+            </a:r>
+            <a:r>
+              <a:rPr lang="zh-CN" altLang="zh-CN" dirty="0" smtClean="0"/>
+              <a:t>房间</a:t>
+            </a:r>
+            <a:endParaRPr lang="en-US" altLang="zh-CN" dirty="0" smtClean="0"/>
+          </a:p>
+          <a:p>
+            <a:pPr lvl="1"/>
+            <a:r>
+              <a:rPr lang="zh-CN" altLang="zh-CN" dirty="0" smtClean="0"/>
+              <a:t>挑战式</a:t>
+            </a:r>
+            <a:r>
+              <a:rPr lang="zh-CN" altLang="zh-CN" dirty="0"/>
+              <a:t>课程模式案例</a:t>
+            </a:r>
+          </a:p>
+          <a:p>
+            <a:pPr lvl="1"/>
+            <a:r>
+              <a:rPr lang="zh-CN" altLang="zh-CN" dirty="0" smtClean="0"/>
+              <a:t>分布式</a:t>
+            </a:r>
+            <a:r>
+              <a:rPr lang="zh-CN" altLang="zh-CN" dirty="0"/>
+              <a:t>数据平台（未定制开源版本）及相应服务器</a:t>
+            </a:r>
+          </a:p>
+          <a:p>
+            <a:r>
+              <a:rPr lang="en-US" altLang="zh-CN" dirty="0"/>
+              <a:t> </a:t>
+            </a:r>
+            <a:r>
+              <a:rPr lang="zh-CN" altLang="zh-CN" dirty="0" smtClean="0"/>
+              <a:t>需要</a:t>
+            </a:r>
+            <a:r>
+              <a:rPr lang="zh-CN" altLang="zh-CN" dirty="0"/>
+              <a:t>配套的的设备、仪器、工具和其它要求</a:t>
+            </a:r>
+          </a:p>
+          <a:p>
+            <a:pPr lvl="1"/>
+            <a:r>
+              <a:rPr lang="zh-CN" altLang="zh-CN" dirty="0" smtClean="0"/>
+              <a:t>可以</a:t>
+            </a:r>
+            <a:r>
+              <a:rPr lang="zh-CN" altLang="zh-CN" dirty="0"/>
+              <a:t>由外网访问的数据服务器</a:t>
+            </a:r>
+          </a:p>
+          <a:p>
+            <a:pPr lvl="1"/>
+            <a:r>
+              <a:rPr lang="zh-CN" altLang="zh-CN" dirty="0" smtClean="0"/>
+              <a:t>网络</a:t>
+            </a:r>
+            <a:r>
+              <a:rPr lang="zh-CN" altLang="zh-CN" dirty="0"/>
+              <a:t>视频会议终端，可自动建立全球各地网络直连</a:t>
+            </a:r>
+          </a:p>
+          <a:p>
+            <a:pPr lvl="1"/>
+            <a:r>
+              <a:rPr lang="zh-CN" altLang="zh-CN" dirty="0" smtClean="0"/>
+              <a:t>其他</a:t>
+            </a:r>
+            <a:r>
+              <a:rPr lang="zh-CN" altLang="zh-CN" dirty="0"/>
+              <a:t>空间配套设备及材料</a:t>
+            </a:r>
+          </a:p>
+          <a:p>
+            <a:pPr lvl="1"/>
+            <a:r>
+              <a:rPr lang="zh-CN" altLang="zh-CN" dirty="0" smtClean="0"/>
+              <a:t>宣传材料</a:t>
+            </a:r>
+            <a:endParaRPr lang="zh-CN" altLang="zh-CN" dirty="0"/>
+          </a:p>
+        </p:txBody>
+      </p:sp>
+      <p:sp>
+        <p:nvSpPr>
+          <p:cNvPr id="4" name="Slide Number Placeholder 3"/>
+          <p:cNvSpPr>
+            <a:spLocks noGrp="1"/>
+          </p:cNvSpPr>
+          <p:nvPr>
+            <p:ph type="sldNum" sz="quarter" idx="12"/>
+          </p:nvPr>
+        </p:nvSpPr>
+        <p:spPr/>
+        <p:txBody>
+          <a:bodyPr/>
+          <a:lstStyle/>
+          <a:p>
+            <a:fld id="{BF70B9A7-D3E3-480B-8C00-2B27CFB4D92E}" type="slidenum">
+              <a:rPr lang="zh-CN" altLang="en-US" smtClean="0"/>
+              <a:t>6</a:t>
+            </a:fld>
+            <a:endParaRPr lang="zh-CN" altLang="en-US"/>
+          </a:p>
+        </p:txBody>
+      </p:sp>
+    </p:spTree>
+    <p:extLst>
+      <p:ext uri="{BB962C8B-B14F-4D97-AF65-F5344CB8AC3E}">
+        <p14:creationId xmlns:p14="http://schemas.microsoft.com/office/powerpoint/2010/main" val="3795014262"/>
+      </p:ext>
+    </p:extLst>
+  </p:cSld>
+  <p:clrMapOvr>
+    <a:masterClrMapping/>
+  </p:clrMapOvr>
+  <p:timing>
+    <p:tnLst>
+      <p:par>
+        <p:cTn id="1" dur="indefinite" restart="never" nodeType="tmRoot"/>
+      </p:par>
+    </p:tnLst>
+  </p:timing>
+</p:sld>
+</file>
+
+<file path=ppt/slides/slide7.xml><?xml version="1.0" encoding="utf-8"?>
+<p:sld xmlns:a="http://schemas.openxmlformats.org/drawingml/2006/main" xmlns:r="http://schemas.openxmlformats.org/officeDocument/2006/relationships" xmlns:p="http://schemas.openxmlformats.org/presentationml/2006/main">
+  <p:cSld>
+    <p:spTree>
+      <p:nvGrpSpPr>
+        <p:cNvPr id="1" name=""/>
+        <p:cNvGrpSpPr/>
+        <p:nvPr/>
+      </p:nvGrpSpPr>
+      <p:grpSpPr>
+        <a:xfrm>
+          <a:off x="0" y="0"/>
+          <a:ext cx="0" cy="0"/>
+          <a:chOff x="0" y="0"/>
+          <a:chExt cx="0" cy="0"/>
+        </a:xfrm>
+      </p:grpSpPr>
+      <p:sp>
+        <p:nvSpPr>
+          <p:cNvPr id="2" name="Title 1"/>
+          <p:cNvSpPr>
+            <a:spLocks noGrp="1"/>
+          </p:cNvSpPr>
+          <p:nvPr>
+            <p:ph type="title"/>
+          </p:nvPr>
+        </p:nvSpPr>
+        <p:spPr/>
+        <p:txBody>
+          <a:bodyPr/>
+          <a:lstStyle/>
+          <a:p>
+            <a:r>
+              <a:rPr lang="zh-CN" altLang="en-US" dirty="0" smtClean="0"/>
               <a:t>项目计划</a:t>
             </a:r>
             <a:endParaRPr lang="zh-CN" altLang="en-US" dirty="0"/>
@@ -3548,6 +4595,95 @@
           <a:bodyPr/>
           <a:lstStyle/>
           <a:p>
+            <a:r>
+              <a:rPr lang="en-US" altLang="zh-CN" dirty="0" smtClean="0"/>
+              <a:t>2014.4-2014.5</a:t>
+            </a:r>
+          </a:p>
+          <a:p>
+            <a:pPr lvl="1"/>
+            <a:r>
+              <a:rPr lang="zh-CN" altLang="zh-CN" dirty="0" smtClean="0"/>
+              <a:t>机制</a:t>
+            </a:r>
+            <a:r>
+              <a:rPr lang="zh-CN" altLang="zh-CN" dirty="0"/>
+              <a:t>框架设计；预览版实体空间设计及建设；预热活动设计</a:t>
+            </a:r>
+          </a:p>
+          <a:p>
+            <a:r>
+              <a:rPr lang="en-US" altLang="zh-CN" dirty="0" smtClean="0"/>
+              <a:t>2014.5-2014.6</a:t>
+            </a:r>
+          </a:p>
+          <a:p>
+            <a:pPr lvl="1"/>
+            <a:r>
+              <a:rPr lang="zh-CN" altLang="zh-CN" dirty="0" smtClean="0"/>
+              <a:t>数字化</a:t>
+            </a:r>
+            <a:r>
+              <a:rPr lang="zh-CN" altLang="zh-CN" dirty="0"/>
+              <a:t>平台建设，定制化设计；中心现有资源导入</a:t>
+            </a:r>
+          </a:p>
+          <a:p>
+            <a:r>
+              <a:rPr lang="en-US" altLang="zh-CN" dirty="0" smtClean="0"/>
+              <a:t>2014.7-2014.12</a:t>
+            </a:r>
+          </a:p>
+          <a:p>
+            <a:pPr lvl="1"/>
+            <a:r>
+              <a:rPr lang="zh-CN" altLang="zh-CN" dirty="0" smtClean="0"/>
+              <a:t>活动</a:t>
+            </a:r>
+            <a:r>
+              <a:rPr lang="zh-CN" altLang="zh-CN" dirty="0"/>
+              <a:t>设计开发与组织</a:t>
+            </a:r>
+          </a:p>
+          <a:p>
+            <a:r>
+              <a:rPr lang="en-US" altLang="zh-CN" dirty="0" smtClean="0"/>
+              <a:t>2015.1-2015.3</a:t>
+            </a:r>
+          </a:p>
+          <a:p>
+            <a:pPr lvl="1"/>
+            <a:r>
+              <a:rPr lang="zh-CN" altLang="zh-CN" dirty="0" smtClean="0"/>
+              <a:t>教学</a:t>
+            </a:r>
+            <a:r>
+              <a:rPr lang="zh-CN" altLang="zh-CN" dirty="0"/>
+              <a:t>内容回顾与整理</a:t>
+            </a:r>
+            <a:endParaRPr lang="zh-CN" altLang="en-US" dirty="0"/>
+          </a:p>
+        </p:txBody>
+      </p:sp>
+      <p:sp>
+        <p:nvSpPr>
+          <p:cNvPr id="4" name="Slide Number Placeholder 3"/>
+          <p:cNvSpPr>
+            <a:spLocks noGrp="1"/>
+          </p:cNvSpPr>
+          <p:nvPr>
+            <p:ph type="sldNum" sz="quarter" idx="12"/>
+          </p:nvPr>
+        </p:nvSpPr>
+        <p:spPr/>
+        <p:txBody>
+          <a:bodyPr/>
+          <a:lstStyle/>
+          <a:p>
+            <a:fld id="{BF70B9A7-D3E3-480B-8C00-2B27CFB4D92E}" type="slidenum">
+              <a:rPr lang="zh-CN" altLang="en-US" smtClean="0"/>
+              <a:t>7</a:t>
+            </a:fld>
             <a:endParaRPr lang="zh-CN" altLang="en-US"/>
           </a:p>
         </p:txBody>
@@ -3824,4 +4960,265 @@
     </a:ext>
   </a:extLst>
 </a:theme>
+</file>
+
+<file path=ppt/theme/theme2.xml><?xml version="1.0" encoding="utf-8"?>
+<a:theme xmlns:a="http://schemas.openxmlformats.org/drawingml/2006/main" name="Office Theme">
+  <a:themeElements>
+    <a:clrScheme name="Office">
+      <a:dk1>
+        <a:sysClr val="windowText" lastClr="000000"/>
+      </a:dk1>
+      <a:lt1>
+        <a:sysClr val="window" lastClr="FFFFFF"/>
+      </a:lt1>
+      <a:dk2>
+        <a:srgbClr val="44546A"/>
+      </a:dk2>
+      <a:lt2>
+        <a:srgbClr val="E7E6E6"/>
+      </a:lt2>
+      <a:accent1>
+        <a:srgbClr val="5B9BD5"/>
+      </a:accent1>
+      <a:accent2>
+        <a:srgbClr val="ED7D31"/>
+      </a:accent2>
+      <a:accent3>
+        <a:srgbClr val="A5A5A5"/>
+      </a:accent3>
+      <a:accent4>
+        <a:srgbClr val="FFC000"/>
+      </a:accent4>
+      <a:accent5>
+        <a:srgbClr val="4472C4"/>
+      </a:accent5>
+      <a:accent6>
+        <a:srgbClr val="70AD47"/>
+      </a:accent6>
+      <a:hlink>
+        <a:srgbClr val="0563C1"/>
+      </a:hlink>
+      <a:folHlink>
+        <a:srgbClr val="954F72"/>
+      </a:folHlink>
+    </a:clrScheme>
+    <a:fontScheme name="Office">
+      <a:majorFont>
+        <a:latin typeface="Calibri Light" panose="020F0302020204030204"/>
+        <a:ea typeface=""/>
+        <a:cs typeface=""/>
+        <a:font script="Jpan" typeface="ＭＳ Ｐゴシック"/>
+        <a:font script="Hang" typeface="맑은 고딕"/>
+        <a:font script="Hans" typeface="宋体"/>
+        <a:font script="Hant" typeface="新細明體"/>
+        <a:font script="Arab" typeface="Times New Roman"/>
+        <a:font script="Hebr" typeface="Times New Roman"/>
+        <a:font script="Thai" typeface="Angsana New"/>
+        <a:font script="Ethi" typeface="Nyala"/>
+        <a:font script="Beng" typeface="Vrinda"/>
+        <a:font script="Gujr" typeface="Shruti"/>
+        <a:font script="Khmr" typeface="MoolBoran"/>
+        <a:font script="Knda" typeface="Tunga"/>
+        <a:font script="Guru" typeface="Raavi"/>
+        <a:font script="Cans" typeface="Euphemia"/>
+        <a:font script="Cher" typeface="Plantagenet Cherokee"/>
+        <a:font script="Yiii" typeface="Microsoft Yi Baiti"/>
+        <a:font script="Tibt" typeface="Microsoft Himalaya"/>
+        <a:font script="Thaa" typeface="MV Boli"/>
+        <a:font script="Deva" typeface="Mangal"/>
+        <a:font script="Telu" typeface="Gautami"/>
+        <a:font script="Taml" typeface="Latha"/>
+        <a:font script="Syrc" typeface="Estrangelo Edessa"/>
+        <a:font script="Orya" typeface="Kalinga"/>
+        <a:font script="Mlym" typeface="Kartika"/>
+        <a:font script="Laoo" typeface="DokChampa"/>
+        <a:font script="Sinh" typeface="Iskoola Pota"/>
+        <a:font script="Mong" typeface="Mongolian Baiti"/>
+        <a:font script="Viet" typeface="Times New Roman"/>
+        <a:font script="Uigh" typeface="Microsoft Uighur"/>
+        <a:font script="Geor" typeface="Sylfaen"/>
+      </a:majorFont>
+      <a:minorFont>
+        <a:latin typeface="Calibri" panose="020F0502020204030204"/>
+        <a:ea typeface=""/>
+        <a:cs typeface=""/>
+        <a:font script="Jpan" typeface="ＭＳ Ｐゴシック"/>
+        <a:font script="Hang" typeface="맑은 고딕"/>
+        <a:font script="Hans" typeface="宋体"/>
+        <a:font script="Hant" typeface="新細明體"/>
+        <a:font script="Arab" typeface="Arial"/>
+        <a:font script="Hebr" typeface="Arial"/>
+        <a:font script="Thai" typeface="Cordia New"/>
+        <a:font script="Ethi" typeface="Nyala"/>
+        <a:font script="Beng" typeface="Vrinda"/>
+        <a:font script="Gujr" typeface="Shruti"/>
+        <a:font script="Khmr" typeface="DaunPenh"/>
+        <a:font script="Knda" typeface="Tunga"/>
+        <a:font script="Guru" typeface="Raavi"/>
+        <a:font script="Cans" typeface="Euphemia"/>
+        <a:font script="Cher" typeface="Plantagenet Cherokee"/>
+        <a:font script="Yiii" typeface="Microsoft Yi Baiti"/>
+        <a:font script="Tibt" typeface="Microsoft Himalaya"/>
+        <a:font script="Thaa" typeface="MV Boli"/>
+        <a:font script="Deva" typeface="Mangal"/>
+        <a:font script="Telu" typeface="Gautami"/>
+        <a:font script="Taml" typeface="Latha"/>
+        <a:font script="Syrc" typeface="Estrangelo Edessa"/>
+        <a:font script="Orya" typeface="Kalinga"/>
+        <a:font script="Mlym" typeface="Kartika"/>
+        <a:font script="Laoo" typeface="DokChampa"/>
+        <a:font script="Sinh" typeface="Iskoola Pota"/>
+        <a:font script="Mong" typeface="Mongolian Baiti"/>
+        <a:font script="Viet" typeface="Arial"/>
+        <a:font script="Uigh" typeface="Microsoft Uighur"/>
+        <a:font script="Geor" typeface="Sylfaen"/>
+      </a:minorFont>
+    </a:fontScheme>
+    <a:fmtScheme name="Office">
+      <a:fillStyleLst>
+        <a:solidFill>
+          <a:schemeClr val="phClr"/>
+        </a:solidFill>
+        <a:gradFill rotWithShape="1">
+          <a:gsLst>
+            <a:gs pos="0">
+              <a:schemeClr val="phClr">
+                <a:lumMod val="110000"/>
+                <a:satMod val="105000"/>
+                <a:tint val="67000"/>
+              </a:schemeClr>
+            </a:gs>
+            <a:gs pos="50000">
+              <a:schemeClr val="phClr">
+                <a:lumMod val="105000"/>
+                <a:satMod val="103000"/>
+                <a:tint val="73000"/>
+              </a:schemeClr>
+            </a:gs>
+            <a:gs pos="100000">
+              <a:schemeClr val="phClr">
+                <a:lumMod val="105000"/>
+                <a:satMod val="109000"/>
+                <a:tint val="81000"/>
+              </a:schemeClr>
+            </a:gs>
+          </a:gsLst>
+          <a:lin ang="5400000" scaled="0"/>
+        </a:gradFill>
+        <a:gradFill rotWithShape="1">
+          <a:gsLst>
+            <a:gs pos="0">
+              <a:schemeClr val="phClr">
+                <a:satMod val="103000"/>
+                <a:lumMod val="102000"/>
+                <a:tint val="94000"/>
+              </a:schemeClr>
+            </a:gs>
+            <a:gs pos="50000">
+              <a:schemeClr val="phClr">
+                <a:satMod val="110000"/>
+                <a:lumMod val="100000"/>
+                <a:shade val="100000"/>
+              </a:schemeClr>
+            </a:gs>
+            <a:gs pos="100000">
+              <a:schemeClr val="phClr">
+                <a:lumMod val="99000"/>
+                <a:satMod val="120000"/>
+                <a:shade val="78000"/>
+              </a:schemeClr>
+            </a:gs>
+          </a:gsLst>
+          <a:lin ang="5400000" scaled="0"/>
+        </a:gradFill>
+      </a:fillStyleLst>
+      <a:lnStyleLst>
+        <a:ln w="6350" cap="flat" cmpd="sng" algn="ctr">
+          <a:solidFill>
+            <a:schemeClr val="phClr"/>
+          </a:solidFill>
+          <a:prstDash val="solid"/>
+          <a:miter lim="800000"/>
+        </a:ln>
+        <a:ln w="12700" cap="flat" cmpd="sng" algn="ctr">
+          <a:solidFill>
+            <a:schemeClr val="phClr"/>
+          </a:solidFill>
+          <a:prstDash val="solid"/>
+          <a:miter lim="800000"/>
+        </a:ln>
+        <a:ln w="19050" cap="flat" cmpd="sng" algn="ctr">
+          <a:solidFill>
+            <a:schemeClr val="phClr"/>
+          </a:solidFill>
+          <a:prstDash val="solid"/>
+          <a:miter lim="800000"/>
+        </a:ln>
+      </a:lnStyleLst>
+      <a:effectStyleLst>
+        <a:effectStyle>
+          <a:effectLst/>
+        </a:effectStyle>
+        <a:effectStyle>
+          <a:effectLst/>
+        </a:effectStyle>
+        <a:effectStyle>
+          <a:effectLst>
+            <a:outerShdw blurRad="57150" dist="19050" dir="5400000" algn="ctr" rotWithShape="0">
+              <a:srgbClr val="000000">
+                <a:alpha val="63000"/>
+              </a:srgbClr>
+            </a:outerShdw>
+          </a:effectLst>
+        </a:effectStyle>
+      </a:effectStyleLst>
+      <a:bgFillStyleLst>
+        <a:solidFill>
+          <a:schemeClr val="phClr"/>
+        </a:solidFill>
+        <a:solidFill>
+          <a:schemeClr val="phClr">
+            <a:tint val="95000"/>
+            <a:satMod val="170000"/>
+          </a:schemeClr>
+        </a:solidFill>
+        <a:gradFill rotWithShape="1">
+          <a:gsLst>
+            <a:gs pos="0">
+              <a:schemeClr val="phClr">
+                <a:tint val="93000"/>
+                <a:satMod val="150000"/>
+                <a:shade val="98000"/>
+                <a:lumMod val="102000"/>
+              </a:schemeClr>
+            </a:gs>
+            <a:gs pos="50000">
+              <a:schemeClr val="phClr">
+                <a:tint val="98000"/>
+                <a:satMod val="130000"/>
+                <a:shade val="90000"/>
+                <a:lumMod val="103000"/>
+              </a:schemeClr>
+            </a:gs>
+            <a:gs pos="100000">
+              <a:schemeClr val="phClr">
+                <a:shade val="63000"/>
+                <a:satMod val="120000"/>
+              </a:schemeClr>
+            </a:gs>
+          </a:gsLst>
+          <a:lin ang="5400000" scaled="0"/>
+        </a:gradFill>
+      </a:bgFillStyleLst>
+    </a:fmtScheme>
+  </a:themeElements>
+  <a:objectDefaults/>
+  <a:extraClrSchemeLst/>
+  <a:extLst>
+    <a:ext uri="{05A4C25C-085E-4340-85A3-A5531E510DB2}">
+      <thm15:themeFamily xmlns:thm15="http://schemas.microsoft.com/office/thememl/2012/main" name="Office Theme" id="{62F939B6-93AF-4DB8-9C6B-D6C7DFDC589F}" vid="{4A3C46E8-61CC-4603-A589-7422A47A8E4A}"/>
+    </a:ext>
+  </a:extLst>
+</a:theme>
 </file>
--- a/训练中心创客交叉融合空间建设/doc/创客融合空间平台建设项目.pptx
+++ b/训练中心创客交叉融合空间建设/doc/创客融合空间平台建设项目.pptx
@@ -115,7 +115,7 @@
   </p:defaultTextStyle>
   <p:extLst>
     <p:ext uri="{EFAFB233-063F-42B5-8137-9DF3F51BA10A}">
-      <p15:sldGuideLst xmlns:p15="http://schemas.microsoft.com/office/powerpoint/2012/main"/>
+      <p15:sldGuideLst xmlns:p15="http://schemas.microsoft.com/office/powerpoint/2012/main" xmlns=""/>
     </p:ext>
   </p:extLst>
 </p:presentation>
@@ -203,7 +203,7 @@
           <a:p>
             <a:fld id="{F1CF379D-C279-4CDC-9C2D-3778D56ED55C}" type="datetimeFigureOut">
               <a:rPr lang="zh-CN" altLang="en-US" smtClean="0"/>
-              <a:t>2014/4/1</a:t>
+              <a:t>4/7/14</a:t>
             </a:fld>
             <a:endParaRPr lang="zh-CN" altLang="en-US"/>
           </a:p>
@@ -686,7 +686,7 @@
           <a:p>
             <a:fld id="{87924AD3-2C2B-4E08-A4B1-89728A37CA2D}" type="datetime1">
               <a:rPr lang="zh-CN" altLang="en-US" smtClean="0"/>
-              <a:t>2014/4/1</a:t>
+              <a:t>4/7/14</a:t>
             </a:fld>
             <a:endParaRPr lang="zh-CN" altLang="en-US"/>
           </a:p>
@@ -856,7 +856,7 @@
           <a:p>
             <a:fld id="{1ADB475D-6884-477B-A169-C6712B045DBA}" type="datetime1">
               <a:rPr lang="zh-CN" altLang="en-US" smtClean="0"/>
-              <a:t>2014/4/1</a:t>
+              <a:t>4/7/14</a:t>
             </a:fld>
             <a:endParaRPr lang="zh-CN" altLang="en-US"/>
           </a:p>
@@ -1036,7 +1036,7 @@
           <a:p>
             <a:fld id="{9EACF4CB-89AE-4B84-9D94-8FEC84808D27}" type="datetime1">
               <a:rPr lang="zh-CN" altLang="en-US" smtClean="0"/>
-              <a:t>2014/4/1</a:t>
+              <a:t>4/7/14</a:t>
             </a:fld>
             <a:endParaRPr lang="zh-CN" altLang="en-US"/>
           </a:p>
@@ -1235,7 +1235,7 @@
           <a:p>
             <a:fld id="{23E6BBE8-F474-4172-A532-7B763C7BEE4F}" type="datetime1">
               <a:rPr lang="zh-CN" altLang="en-US" smtClean="0"/>
-              <a:t>2014/4/1</a:t>
+              <a:t>4/7/14</a:t>
             </a:fld>
             <a:endParaRPr lang="zh-CN" altLang="en-US"/>
           </a:p>
@@ -1479,7 +1479,7 @@
           <a:p>
             <a:fld id="{146E8CCD-5E4D-4D92-8F82-65576CA91610}" type="datetime1">
               <a:rPr lang="zh-CN" altLang="en-US" smtClean="0"/>
-              <a:t>2014/4/1</a:t>
+              <a:t>4/7/14</a:t>
             </a:fld>
             <a:endParaRPr lang="zh-CN" altLang="en-US"/>
           </a:p>
@@ -1711,7 +1711,7 @@
           <a:p>
             <a:fld id="{7F7C4C85-29E1-4AD2-A3B2-D49247206789}" type="datetime1">
               <a:rPr lang="zh-CN" altLang="en-US" smtClean="0"/>
-              <a:t>2014/4/1</a:t>
+              <a:t>4/7/14</a:t>
             </a:fld>
             <a:endParaRPr lang="zh-CN" altLang="en-US"/>
           </a:p>
@@ -2078,7 +2078,7 @@
           <a:p>
             <a:fld id="{8F748FCC-1DAC-48EB-8E43-EAFF270B1F61}" type="datetime1">
               <a:rPr lang="zh-CN" altLang="en-US" smtClean="0"/>
-              <a:t>2014/4/1</a:t>
+              <a:t>4/7/14</a:t>
             </a:fld>
             <a:endParaRPr lang="zh-CN" altLang="en-US"/>
           </a:p>
@@ -2196,7 +2196,7 @@
           <a:p>
             <a:fld id="{84FD8E17-CCD5-4C7E-B974-9CBF672E08AC}" type="datetime1">
               <a:rPr lang="zh-CN" altLang="en-US" smtClean="0"/>
-              <a:t>2014/4/1</a:t>
+              <a:t>4/7/14</a:t>
             </a:fld>
             <a:endParaRPr lang="zh-CN" altLang="en-US"/>
           </a:p>
@@ -2291,7 +2291,7 @@
           <a:p>
             <a:fld id="{287AB516-AB9F-433B-8E57-74D7663757D1}" type="datetime1">
               <a:rPr lang="zh-CN" altLang="en-US" smtClean="0"/>
-              <a:t>2014/4/1</a:t>
+              <a:t>4/7/14</a:t>
             </a:fld>
             <a:endParaRPr lang="zh-CN" altLang="en-US"/>
           </a:p>
@@ -2568,7 +2568,7 @@
           <a:p>
             <a:fld id="{2948D1B6-78A2-4675-9D50-5E853D4ED1E4}" type="datetime1">
               <a:rPr lang="zh-CN" altLang="en-US" smtClean="0"/>
-              <a:t>2014/4/1</a:t>
+              <a:t>4/7/14</a:t>
             </a:fld>
             <a:endParaRPr lang="zh-CN" altLang="en-US"/>
           </a:p>
@@ -2825,7 +2825,7 @@
           <a:p>
             <a:fld id="{2D1FE44A-63F8-4E6E-B472-E10632DCDE1C}" type="datetime1">
               <a:rPr lang="zh-CN" altLang="en-US" smtClean="0"/>
-              <a:t>2014/4/1</a:t>
+              <a:t>4/7/14</a:t>
             </a:fld>
             <a:endParaRPr lang="zh-CN" altLang="en-US"/>
           </a:p>
@@ -3038,7 +3038,7 @@
           <a:p>
             <a:fld id="{2061FC2C-8752-41C3-AC92-31B7D961F160}" type="datetime1">
               <a:rPr lang="zh-CN" altLang="en-US" smtClean="0"/>
-              <a:t>2014/4/1</a:t>
+              <a:t>4/7/14</a:t>
             </a:fld>
             <a:endParaRPr lang="zh-CN" altLang="en-US"/>
           </a:p>
@@ -3651,7 +3651,7 @@
   <p:timing>
     <p:tnLst>
       <p:par>
-        <p:cTn id="1" dur="indefinite" restart="never" nodeType="tmRoot"/>
+        <p:cTn xmlns:p14="http://schemas.microsoft.com/office/powerpoint/2010/main" id="1" dur="indefinite" restart="never" nodeType="tmRoot"/>
       </p:par>
     </p:tnLst>
   </p:timing>
@@ -3855,7 +3855,7 @@
   <p:timing>
     <p:tnLst>
       <p:par>
-        <p:cTn id="1" dur="indefinite" restart="never" nodeType="tmRoot"/>
+        <p:cTn xmlns:p14="http://schemas.microsoft.com/office/powerpoint/2010/main" id="1" dur="indefinite" restart="never" nodeType="tmRoot"/>
       </p:par>
     </p:tnLst>
   </p:timing>
@@ -3950,7 +3950,11 @@
             <a:pPr lvl="1"/>
             <a:r>
               <a:rPr lang="zh-CN" altLang="en-US" dirty="0" smtClean="0"/>
-              <a:t>企业级团队项目协同平台</a:t>
+              <a:t>团队项</a:t>
+            </a:r>
+            <a:r>
+              <a:rPr lang="zh-CN" altLang="en-US" dirty="0" smtClean="0"/>
+              <a:t>目协同平台</a:t>
             </a:r>
             <a:endParaRPr lang="en-US" altLang="zh-CN" dirty="0" smtClean="0"/>
           </a:p>
@@ -4082,7 +4086,7 @@
   <p:timing>
     <p:tnLst>
       <p:par>
-        <p:cTn id="1" dur="indefinite" restart="never" nodeType="tmRoot"/>
+        <p:cTn xmlns:p14="http://schemas.microsoft.com/office/powerpoint/2010/main" id="1" dur="indefinite" restart="never" nodeType="tmRoot"/>
       </p:par>
     </p:tnLst>
   </p:timing>
@@ -4242,7 +4246,7 @@
   <p:timing>
     <p:tnLst>
       <p:par>
-        <p:cTn id="1" dur="indefinite" restart="never" nodeType="tmRoot"/>
+        <p:cTn xmlns:p14="http://schemas.microsoft.com/office/powerpoint/2010/main" id="1" dur="indefinite" restart="never" nodeType="tmRoot"/>
       </p:par>
     </p:tnLst>
   </p:timing>
@@ -4331,7 +4335,7 @@
   <p:timing>
     <p:tnLst>
       <p:par>
-        <p:cTn id="1" dur="indefinite" restart="never" nodeType="tmRoot"/>
+        <p:cTn xmlns:p14="http://schemas.microsoft.com/office/powerpoint/2010/main" id="1" dur="indefinite" restart="never" nodeType="tmRoot"/>
       </p:par>
     </p:tnLst>
   </p:timing>
@@ -4533,7 +4537,7 @@
   <p:timing>
     <p:tnLst>
       <p:par>
-        <p:cTn id="1" dur="indefinite" restart="never" nodeType="tmRoot"/>
+        <p:cTn xmlns:p14="http://schemas.microsoft.com/office/powerpoint/2010/main" id="1" dur="indefinite" restart="never" nodeType="tmRoot"/>
       </p:par>
     </p:tnLst>
   </p:timing>
@@ -4608,7 +4612,31 @@
             </a:r>
             <a:r>
               <a:rPr lang="zh-CN" altLang="zh-CN" dirty="0"/>
-              <a:t>框架设计；预览版实体空间设计及建设；预热活动设计</a:t>
+              <a:t>框架设计</a:t>
+            </a:r>
+            <a:r>
+              <a:rPr lang="zh-CN" altLang="zh-CN" dirty="0" smtClean="0"/>
+              <a:t>；</a:t>
+            </a:r>
+            <a:r>
+              <a:rPr lang="zh-CN" altLang="zh-CN" dirty="0" smtClean="0"/>
+              <a:t>6</a:t>
+            </a:r>
+            <a:r>
+              <a:rPr lang="en-US" altLang="zh-CN" dirty="0" smtClean="0"/>
+              <a:t>0m</a:t>
+            </a:r>
+            <a:r>
+              <a:rPr lang="en-US" altLang="zh-CN" baseline="30000" dirty="0" smtClean="0"/>
+              <a:t>2</a:t>
+            </a:r>
+            <a:r>
+              <a:rPr lang="zh-CN" altLang="zh-CN" dirty="0" smtClean="0"/>
+              <a:t>实体空间设计及建设</a:t>
+            </a:r>
+            <a:r>
+              <a:rPr lang="zh-CN" altLang="zh-CN" dirty="0"/>
+              <a:t>；预热活动设计</a:t>
             </a:r>
           </a:p>
           <a:p>
@@ -4621,12 +4649,13 @@
             <a:pPr lvl="1"/>
             <a:r>
               <a:rPr lang="zh-CN" altLang="zh-CN" dirty="0" smtClean="0"/>
-              <a:t>数字化</a:t>
-            </a:r>
-            <a:r>
-              <a:rPr lang="zh-CN" altLang="zh-CN" dirty="0"/>
-              <a:t>平台建设，定制化设计；中心现有资源导入</a:t>
-            </a:r>
+              <a:t>数字化平台建设；中心现有资源导入</a:t>
+            </a:r>
+            <a:r>
+              <a:rPr lang="zh-CN" altLang="en-US" smtClean="0"/>
+              <a:t>；示范性项目团队导入</a:t>
+            </a:r>
+            <a:endParaRPr lang="zh-CN" altLang="zh-CN" dirty="0"/>
           </a:p>
           <a:p>
             <a:r>
@@ -4638,12 +4667,13 @@
             <a:pPr lvl="1"/>
             <a:r>
               <a:rPr lang="zh-CN" altLang="zh-CN" dirty="0" smtClean="0"/>
-              <a:t>活动</a:t>
-            </a:r>
-            <a:r>
-              <a:rPr lang="zh-CN" altLang="zh-CN" dirty="0"/>
-              <a:t>设计开发与组织</a:t>
-            </a:r>
+              <a:t>活动设计开发与组织</a:t>
+            </a:r>
+            <a:r>
+              <a:rPr lang="zh-CN" altLang="en-US" dirty="0" smtClean="0"/>
+              <a:t>、相应推广宣传</a:t>
+            </a:r>
+            <a:endParaRPr lang="zh-CN" altLang="zh-CN" dirty="0"/>
           </a:p>
           <a:p>
             <a:r>
@@ -4744,7 +4774,7 @@
     </a:clrScheme>
     <a:fontScheme name="Office Theme">
       <a:majorFont>
-        <a:latin typeface="Calibri Light" panose="020F0302020204030204"/>
+        <a:latin typeface="Calibri Light"/>
         <a:ea typeface=""/>
         <a:cs typeface=""/>
         <a:font script="Jpan" typeface="ＭＳ Ｐゴシック"/>
@@ -4779,7 +4809,7 @@
         <a:font script="Geor" typeface="Sylfaen"/>
       </a:majorFont>
       <a:minorFont>
-        <a:latin typeface="Calibri" panose="020F0502020204030204"/>
+        <a:latin typeface="Calibri"/>
         <a:ea typeface=""/>
         <a:cs typeface=""/>
         <a:font script="Jpan" typeface="ＭＳ Ｐゴシック"/>
@@ -4956,7 +4986,7 @@
   <a:extraClrSchemeLst/>
   <a:extLst>
     <a:ext uri="{05A4C25C-085E-4340-85A3-A5531E510DB2}">
-      <thm15:themeFamily xmlns:thm15="http://schemas.microsoft.com/office/thememl/2012/main" name="训练中心-主题" id="{8674388E-EF1F-4A5A-BE2C-F89B57265912}" vid="{359B7B30-F072-46C6-9EC6-75137FAEB121}"/>
+      <thm15:themeFamily xmlns:thm15="http://schemas.microsoft.com/office/thememl/2012/main" xmlns="" name="训练中心-主题" id="{8674388E-EF1F-4A5A-BE2C-F89B57265912}" vid="{359B7B30-F072-46C6-9EC6-75137FAEB121}"/>
     </a:ext>
   </a:extLst>
 </a:theme>
@@ -5005,7 +5035,7 @@
     </a:clrScheme>
     <a:fontScheme name="Office">
       <a:majorFont>
-        <a:latin typeface="Calibri Light" panose="020F0302020204030204"/>
+        <a:latin typeface="Calibri Light"/>
         <a:ea typeface=""/>
         <a:cs typeface=""/>
         <a:font script="Jpan" typeface="ＭＳ Ｐゴシック"/>
@@ -5040,7 +5070,7 @@
         <a:font script="Geor" typeface="Sylfaen"/>
       </a:majorFont>
       <a:minorFont>
-        <a:latin typeface="Calibri" panose="020F0502020204030204"/>
+        <a:latin typeface="Calibri"/>
         <a:ea typeface=""/>
         <a:cs typeface=""/>
         <a:font script="Jpan" typeface="ＭＳ Ｐゴシック"/>
@@ -5217,7 +5247,7 @@
   <a:extraClrSchemeLst/>
   <a:extLst>
     <a:ext uri="{05A4C25C-085E-4340-85A3-A5531E510DB2}">
-      <thm15:themeFamily xmlns:thm15="http://schemas.microsoft.com/office/thememl/2012/main" name="Office Theme" id="{62F939B6-93AF-4DB8-9C6B-D6C7DFDC589F}" vid="{4A3C46E8-61CC-4603-A589-7422A47A8E4A}"/>
+      <thm15:themeFamily xmlns:thm15="http://schemas.microsoft.com/office/thememl/2012/main" xmlns="" name="Office Theme" id="{62F939B6-93AF-4DB8-9C6B-D6C7DFDC589F}" vid="{4A3C46E8-61CC-4603-A589-7422A47A8E4A}"/>
     </a:ext>
   </a:extLst>
 </a:theme>

--- a/训练中心创客交叉融合空间建设/doc/创客融合空间平台建设项目.pptx
+++ b/训练中心创客交叉融合空间建设/doc/创客融合空间平台建设项目.pptx
@@ -115,7 +115,18 @@
   </p:defaultTextStyle>
   <p:extLst>
     <p:ext uri="{EFAFB233-063F-42B5-8137-9DF3F51BA10A}">
-      <p15:sldGuideLst xmlns:p15="http://schemas.microsoft.com/office/powerpoint/2012/main" xmlns=""/>
+      <p15:sldGuideLst xmlns:p15="http://schemas.microsoft.com/office/powerpoint/2012/main">
+        <p15:guide id="1" orient="horz" pos="2160">
+          <p15:clr>
+            <a:srgbClr val="A4A3A4"/>
+          </p15:clr>
+        </p15:guide>
+        <p15:guide id="2" pos="2880">
+          <p15:clr>
+            <a:srgbClr val="A4A3A4"/>
+          </p15:clr>
+        </p15:guide>
+      </p15:sldGuideLst>
     </p:ext>
   </p:extLst>
 </p:presentation>
@@ -203,7 +214,7 @@
           <a:p>
             <a:fld id="{F1CF379D-C279-4CDC-9C2D-3778D56ED55C}" type="datetimeFigureOut">
               <a:rPr lang="zh-CN" altLang="en-US" smtClean="0"/>
-              <a:t>4/7/14</a:t>
+              <a:t>2014/4/8</a:t>
             </a:fld>
             <a:endParaRPr lang="zh-CN" altLang="en-US"/>
           </a:p>
@@ -686,7 +697,7 @@
           <a:p>
             <a:fld id="{87924AD3-2C2B-4E08-A4B1-89728A37CA2D}" type="datetime1">
               <a:rPr lang="zh-CN" altLang="en-US" smtClean="0"/>
-              <a:t>4/7/14</a:t>
+              <a:t>2014/4/8</a:t>
             </a:fld>
             <a:endParaRPr lang="zh-CN" altLang="en-US"/>
           </a:p>
@@ -856,7 +867,7 @@
           <a:p>
             <a:fld id="{1ADB475D-6884-477B-A169-C6712B045DBA}" type="datetime1">
               <a:rPr lang="zh-CN" altLang="en-US" smtClean="0"/>
-              <a:t>4/7/14</a:t>
+              <a:t>2014/4/8</a:t>
             </a:fld>
             <a:endParaRPr lang="zh-CN" altLang="en-US"/>
           </a:p>
@@ -1036,7 +1047,7 @@
           <a:p>
             <a:fld id="{9EACF4CB-89AE-4B84-9D94-8FEC84808D27}" type="datetime1">
               <a:rPr lang="zh-CN" altLang="en-US" smtClean="0"/>
-              <a:t>4/7/14</a:t>
+              <a:t>2014/4/8</a:t>
             </a:fld>
             <a:endParaRPr lang="zh-CN" altLang="en-US"/>
           </a:p>
@@ -1235,7 +1246,7 @@
           <a:p>
             <a:fld id="{23E6BBE8-F474-4172-A532-7B763C7BEE4F}" type="datetime1">
               <a:rPr lang="zh-CN" altLang="en-US" smtClean="0"/>
-              <a:t>4/7/14</a:t>
+              <a:t>2014/4/8</a:t>
             </a:fld>
             <a:endParaRPr lang="zh-CN" altLang="en-US"/>
           </a:p>
@@ -1479,7 +1490,7 @@
           <a:p>
             <a:fld id="{146E8CCD-5E4D-4D92-8F82-65576CA91610}" type="datetime1">
               <a:rPr lang="zh-CN" altLang="en-US" smtClean="0"/>
-              <a:t>4/7/14</a:t>
+              <a:t>2014/4/8</a:t>
             </a:fld>
             <a:endParaRPr lang="zh-CN" altLang="en-US"/>
           </a:p>
@@ -1711,7 +1722,7 @@
           <a:p>
             <a:fld id="{7F7C4C85-29E1-4AD2-A3B2-D49247206789}" type="datetime1">
               <a:rPr lang="zh-CN" altLang="en-US" smtClean="0"/>
-              <a:t>4/7/14</a:t>
+              <a:t>2014/4/8</a:t>
             </a:fld>
             <a:endParaRPr lang="zh-CN" altLang="en-US"/>
           </a:p>
@@ -2078,7 +2089,7 @@
           <a:p>
             <a:fld id="{8F748FCC-1DAC-48EB-8E43-EAFF270B1F61}" type="datetime1">
               <a:rPr lang="zh-CN" altLang="en-US" smtClean="0"/>
-              <a:t>4/7/14</a:t>
+              <a:t>2014/4/8</a:t>
             </a:fld>
             <a:endParaRPr lang="zh-CN" altLang="en-US"/>
           </a:p>
@@ -2196,7 +2207,7 @@
           <a:p>
             <a:fld id="{84FD8E17-CCD5-4C7E-B974-9CBF672E08AC}" type="datetime1">
               <a:rPr lang="zh-CN" altLang="en-US" smtClean="0"/>
-              <a:t>4/7/14</a:t>
+              <a:t>2014/4/8</a:t>
             </a:fld>
             <a:endParaRPr lang="zh-CN" altLang="en-US"/>
           </a:p>
@@ -2291,7 +2302,7 @@
           <a:p>
             <a:fld id="{287AB516-AB9F-433B-8E57-74D7663757D1}" type="datetime1">
               <a:rPr lang="zh-CN" altLang="en-US" smtClean="0"/>
-              <a:t>4/7/14</a:t>
+              <a:t>2014/4/8</a:t>
             </a:fld>
             <a:endParaRPr lang="zh-CN" altLang="en-US"/>
           </a:p>
@@ -2568,7 +2579,7 @@
           <a:p>
             <a:fld id="{2948D1B6-78A2-4675-9D50-5E853D4ED1E4}" type="datetime1">
               <a:rPr lang="zh-CN" altLang="en-US" smtClean="0"/>
-              <a:t>4/7/14</a:t>
+              <a:t>2014/4/8</a:t>
             </a:fld>
             <a:endParaRPr lang="zh-CN" altLang="en-US"/>
           </a:p>
@@ -2825,7 +2836,7 @@
           <a:p>
             <a:fld id="{2D1FE44A-63F8-4E6E-B472-E10632DCDE1C}" type="datetime1">
               <a:rPr lang="zh-CN" altLang="en-US" smtClean="0"/>
-              <a:t>4/7/14</a:t>
+              <a:t>2014/4/8</a:t>
             </a:fld>
             <a:endParaRPr lang="zh-CN" altLang="en-US"/>
           </a:p>
@@ -3038,7 +3049,7 @@
           <a:p>
             <a:fld id="{2061FC2C-8752-41C3-AC92-31B7D961F160}" type="datetime1">
               <a:rPr lang="zh-CN" altLang="en-US" smtClean="0"/>
-              <a:t>4/7/14</a:t>
+              <a:t>2014/4/8</a:t>
             </a:fld>
             <a:endParaRPr lang="zh-CN" altLang="en-US"/>
           </a:p>
@@ -3627,11 +3638,11 @@
               <a:t>月</a:t>
             </a:r>
             <a:r>
-              <a:rPr lang="en-US" altLang="zh-CN" dirty="0" smtClean="0"/>
-              <a:t>2</a:t>
-            </a:r>
-            <a:r>
-              <a:rPr lang="zh-CN" altLang="en-US" dirty="0" smtClean="0"/>
+              <a:rPr lang="en-US" altLang="zh-CN" smtClean="0"/>
+              <a:t>9</a:t>
+            </a:r>
+            <a:r>
+              <a:rPr lang="zh-CN" altLang="en-US" smtClean="0"/>
               <a:t>日</a:t>
             </a:r>
             <a:endParaRPr lang="zh-CN" altLang="en-US" dirty="0"/>
@@ -3651,7 +3662,7 @@
   <p:timing>
     <p:tnLst>
       <p:par>
-        <p:cTn xmlns:p14="http://schemas.microsoft.com/office/powerpoint/2010/main" id="1" dur="indefinite" restart="never" nodeType="tmRoot"/>
+        <p:cTn id="1" dur="indefinite" restart="never" nodeType="tmRoot"/>
       </p:par>
     </p:tnLst>
   </p:timing>
@@ -3855,7 +3866,7 @@
   <p:timing>
     <p:tnLst>
       <p:par>
-        <p:cTn xmlns:p14="http://schemas.microsoft.com/office/powerpoint/2010/main" id="1" dur="indefinite" restart="never" nodeType="tmRoot"/>
+        <p:cTn id="1" dur="indefinite" restart="never" nodeType="tmRoot"/>
       </p:par>
     </p:tnLst>
   </p:timing>
@@ -3950,11 +3961,7 @@
             <a:pPr lvl="1"/>
             <a:r>
               <a:rPr lang="zh-CN" altLang="en-US" dirty="0" smtClean="0"/>
-              <a:t>团队项</a:t>
-            </a:r>
-            <a:r>
-              <a:rPr lang="zh-CN" altLang="en-US" dirty="0" smtClean="0"/>
-              <a:t>目协同平台</a:t>
+              <a:t>团队项目协同平台</a:t>
             </a:r>
             <a:endParaRPr lang="en-US" altLang="zh-CN" dirty="0" smtClean="0"/>
           </a:p>
@@ -4086,7 +4093,7 @@
   <p:timing>
     <p:tnLst>
       <p:par>
-        <p:cTn xmlns:p14="http://schemas.microsoft.com/office/powerpoint/2010/main" id="1" dur="indefinite" restart="never" nodeType="tmRoot"/>
+        <p:cTn id="1" dur="indefinite" restart="never" nodeType="tmRoot"/>
       </p:par>
     </p:tnLst>
   </p:timing>
@@ -4246,7 +4253,7 @@
   <p:timing>
     <p:tnLst>
       <p:par>
-        <p:cTn xmlns:p14="http://schemas.microsoft.com/office/powerpoint/2010/main" id="1" dur="indefinite" restart="never" nodeType="tmRoot"/>
+        <p:cTn id="1" dur="indefinite" restart="never" nodeType="tmRoot"/>
       </p:par>
     </p:tnLst>
   </p:timing>
@@ -4335,7 +4342,7 @@
   <p:timing>
     <p:tnLst>
       <p:par>
-        <p:cTn xmlns:p14="http://schemas.microsoft.com/office/powerpoint/2010/main" id="1" dur="indefinite" restart="never" nodeType="tmRoot"/>
+        <p:cTn id="1" dur="indefinite" restart="never" nodeType="tmRoot"/>
       </p:par>
     </p:tnLst>
   </p:timing>
@@ -4537,7 +4544,7 @@
   <p:timing>
     <p:tnLst>
       <p:par>
-        <p:cTn xmlns:p14="http://schemas.microsoft.com/office/powerpoint/2010/main" id="1" dur="indefinite" restart="never" nodeType="tmRoot"/>
+        <p:cTn id="1" dur="indefinite" restart="never" nodeType="tmRoot"/>
       </p:par>
     </p:tnLst>
   </p:timing>
@@ -4616,11 +4623,7 @@
             </a:r>
             <a:r>
               <a:rPr lang="zh-CN" altLang="zh-CN" dirty="0" smtClean="0"/>
-              <a:t>；</a:t>
-            </a:r>
-            <a:r>
-              <a:rPr lang="zh-CN" altLang="zh-CN" dirty="0" smtClean="0"/>
-              <a:t>6</a:t>
+              <a:t>；6</a:t>
             </a:r>
             <a:r>
               <a:rPr lang="en-US" altLang="zh-CN" dirty="0" smtClean="0"/>
@@ -4986,7 +4989,7 @@
   <a:extraClrSchemeLst/>
   <a:extLst>
     <a:ext uri="{05A4C25C-085E-4340-85A3-A5531E510DB2}">
-      <thm15:themeFamily xmlns:thm15="http://schemas.microsoft.com/office/thememl/2012/main" xmlns="" name="训练中心-主题" id="{8674388E-EF1F-4A5A-BE2C-F89B57265912}" vid="{359B7B30-F072-46C6-9EC6-75137FAEB121}"/>
+      <thm15:themeFamily xmlns:thm15="http://schemas.microsoft.com/office/thememl/2012/main" name="训练中心-主题" id="{8674388E-EF1F-4A5A-BE2C-F89B57265912}" vid="{359B7B30-F072-46C6-9EC6-75137FAEB121}"/>
     </a:ext>
   </a:extLst>
 </a:theme>
@@ -5247,7 +5250,7 @@
   <a:extraClrSchemeLst/>
   <a:extLst>
     <a:ext uri="{05A4C25C-085E-4340-85A3-A5531E510DB2}">
-      <thm15:themeFamily xmlns:thm15="http://schemas.microsoft.com/office/thememl/2012/main" xmlns="" name="Office Theme" id="{62F939B6-93AF-4DB8-9C6B-D6C7DFDC589F}" vid="{4A3C46E8-61CC-4603-A589-7422A47A8E4A}"/>
+      <thm15:themeFamily xmlns:thm15="http://schemas.microsoft.com/office/thememl/2012/main" name="Office Theme" id="{62F939B6-93AF-4DB8-9C6B-D6C7DFDC589F}" vid="{4A3C46E8-61CC-4603-A589-7422A47A8E4A}"/>
     </a:ext>
   </a:extLst>
 </a:theme>
